--- a/The Voice PPT7-p.pptx
+++ b/The Voice PPT7-p.pptx
@@ -1,42 +1,42 @@
 
 <file path=ppt/presentation.xml><?xml version="1.0" encoding="utf-8"?>
-<p:presentation xmlns:a="http://schemas.openxmlformats.org/drawingml/2006/main" xmlns:r="http://schemas.openxmlformats.org/officeDocument/2006/relationships" xmlns:p="http://schemas.openxmlformats.org/presentationml/2006/main" saveSubsetFonts="1">
+<p:presentation xmlns:a="http://schemas.openxmlformats.org/drawingml/2006/main" xmlns:r="http://schemas.openxmlformats.org/officeDocument/2006/relationships" xmlns:p="http://schemas.openxmlformats.org/presentationml/2006/main">
   <p:sldMasterIdLst>
     <p:sldMasterId id="2147483648" r:id="rId1"/>
   </p:sldMasterIdLst>
   <p:notesMasterIdLst>
-    <p:notesMasterId r:id="rId31"/>
+    <p:notesMasterId r:id="rId4"/>
   </p:notesMasterIdLst>
   <p:sldIdLst>
-    <p:sldId id="258" r:id="rId2"/>
-    <p:sldId id="312" r:id="rId3"/>
-    <p:sldId id="285" r:id="rId4"/>
-    <p:sldId id="286" r:id="rId5"/>
-    <p:sldId id="287" r:id="rId6"/>
-    <p:sldId id="288" r:id="rId7"/>
-    <p:sldId id="290" r:id="rId8"/>
-    <p:sldId id="289" r:id="rId9"/>
-    <p:sldId id="272" r:id="rId10"/>
-    <p:sldId id="291" r:id="rId11"/>
-    <p:sldId id="293" r:id="rId12"/>
-    <p:sldId id="294" r:id="rId13"/>
-    <p:sldId id="295" r:id="rId14"/>
-    <p:sldId id="296" r:id="rId15"/>
-    <p:sldId id="297" r:id="rId16"/>
-    <p:sldId id="298" r:id="rId17"/>
-    <p:sldId id="304" r:id="rId18"/>
-    <p:sldId id="305" r:id="rId19"/>
-    <p:sldId id="306" r:id="rId20"/>
-    <p:sldId id="310" r:id="rId21"/>
-    <p:sldId id="307" r:id="rId22"/>
-    <p:sldId id="301" r:id="rId23"/>
-    <p:sldId id="311" r:id="rId24"/>
-    <p:sldId id="308" r:id="rId25"/>
-    <p:sldId id="314" r:id="rId26"/>
-    <p:sldId id="302" r:id="rId27"/>
-    <p:sldId id="309" r:id="rId28"/>
-    <p:sldId id="313" r:id="rId29"/>
-    <p:sldId id="303" r:id="rId30"/>
+    <p:sldId id="258" r:id="rId3"/>
+    <p:sldId id="312" r:id="rId5"/>
+    <p:sldId id="285" r:id="rId6"/>
+    <p:sldId id="286" r:id="rId7"/>
+    <p:sldId id="287" r:id="rId8"/>
+    <p:sldId id="288" r:id="rId9"/>
+    <p:sldId id="290" r:id="rId10"/>
+    <p:sldId id="289" r:id="rId11"/>
+    <p:sldId id="272" r:id="rId12"/>
+    <p:sldId id="291" r:id="rId13"/>
+    <p:sldId id="293" r:id="rId14"/>
+    <p:sldId id="294" r:id="rId15"/>
+    <p:sldId id="295" r:id="rId16"/>
+    <p:sldId id="296" r:id="rId17"/>
+    <p:sldId id="297" r:id="rId18"/>
+    <p:sldId id="298" r:id="rId19"/>
+    <p:sldId id="304" r:id="rId20"/>
+    <p:sldId id="305" r:id="rId21"/>
+    <p:sldId id="306" r:id="rId22"/>
+    <p:sldId id="310" r:id="rId23"/>
+    <p:sldId id="307" r:id="rId24"/>
+    <p:sldId id="301" r:id="rId25"/>
+    <p:sldId id="311" r:id="rId26"/>
+    <p:sldId id="308" r:id="rId27"/>
+    <p:sldId id="314" r:id="rId28"/>
+    <p:sldId id="302" r:id="rId29"/>
+    <p:sldId id="309" r:id="rId30"/>
+    <p:sldId id="313" r:id="rId31"/>
+    <p:sldId id="303" r:id="rId32"/>
   </p:sldIdLst>
   <p:sldSz cx="9144000" cy="6858000" type="screen4x3"/>
   <p:notesSz cx="6858000" cy="9144000"/>
@@ -220,8 +220,6 @@
           <a:p>
             <a:fld id="{8EF52AAF-76FF-47AE-B088-2ECB881216B1}" type="datetimeFigureOut">
               <a:rPr lang="en-US" smtClean="0"/>
-              <a:pPr/>
-              <a:t>4/25/2013</a:t>
             </a:fld>
             <a:endParaRPr lang="en-US"/>
           </a:p>
@@ -288,6 +286,7 @@
               <a:rPr lang="en-US" smtClean="0"/>
               <a:t>Click to edit Master text styles</a:t>
             </a:r>
+            <a:endParaRPr lang="en-US" smtClean="0"/>
           </a:p>
           <a:p>
             <a:pPr lvl="1"/>
@@ -295,6 +294,7 @@
               <a:rPr lang="en-US" smtClean="0"/>
               <a:t>Second level</a:t>
             </a:r>
+            <a:endParaRPr lang="en-US" smtClean="0"/>
           </a:p>
           <a:p>
             <a:pPr lvl="2"/>
@@ -302,6 +302,7 @@
               <a:rPr lang="en-US" smtClean="0"/>
               <a:t>Third level</a:t>
             </a:r>
+            <a:endParaRPr lang="en-US" smtClean="0"/>
           </a:p>
           <a:p>
             <a:pPr lvl="3"/>
@@ -309,6 +310,7 @@
               <a:rPr lang="en-US" smtClean="0"/>
               <a:t>Fourth level</a:t>
             </a:r>
+            <a:endParaRPr lang="en-US" smtClean="0"/>
           </a:p>
           <a:p>
             <a:pPr lvl="4"/>
@@ -380,19 +382,12 @@
           <a:p>
             <a:fld id="{E432F499-B84D-4765-8785-928686D49AB2}" type="slidenum">
               <a:rPr lang="en-US" smtClean="0"/>
-              <a:pPr/>
-              <a:t>‹#›</a:t>
             </a:fld>
             <a:endParaRPr lang="en-US"/>
           </a:p>
         </p:txBody>
       </p:sp>
     </p:spTree>
-    <p:extLst>
-      <p:ext uri="{BB962C8B-B14F-4D97-AF65-F5344CB8AC3E}">
-        <p14:creationId xmlns:p14="http://schemas.microsoft.com/office/powerpoint/2010/main" val="1125781283"/>
-      </p:ext>
-    </p:extLst>
   </p:cSld>
   <p:clrMap bg1="lt1" tx1="dk1" bg2="lt2" tx2="dk2" accent1="accent1" accent2="accent2" accent3="accent3" accent4="accent4" accent5="accent5" accent6="accent6" hlink="hlink" folHlink="folHlink"/>
   <p:notesStyle>
@@ -555,19 +550,12 @@
           <a:p>
             <a:fld id="{E432F499-B84D-4765-8785-928686D49AB2}" type="slidenum">
               <a:rPr lang="en-US" smtClean="0"/>
-              <a:pPr/>
-              <a:t>1</a:t>
             </a:fld>
             <a:endParaRPr lang="en-US"/>
           </a:p>
         </p:txBody>
       </p:sp>
     </p:spTree>
-    <p:extLst>
-      <p:ext uri="{BB962C8B-B14F-4D97-AF65-F5344CB8AC3E}">
-        <p14:creationId xmlns:p14="http://schemas.microsoft.com/office/powerpoint/2010/main" val="580737135"/>
-      </p:ext>
-    </p:extLst>
   </p:cSld>
   <p:clrMapOvr>
     <a:masterClrMapping/>
@@ -640,19 +628,12 @@
           <a:p>
             <a:fld id="{E432F499-B84D-4765-8785-928686D49AB2}" type="slidenum">
               <a:rPr lang="en-US" smtClean="0"/>
-              <a:pPr/>
-              <a:t>10</a:t>
             </a:fld>
             <a:endParaRPr lang="en-US"/>
           </a:p>
         </p:txBody>
       </p:sp>
     </p:spTree>
-    <p:extLst>
-      <p:ext uri="{BB962C8B-B14F-4D97-AF65-F5344CB8AC3E}">
-        <p14:creationId xmlns:p14="http://schemas.microsoft.com/office/powerpoint/2010/main" val="580737135"/>
-      </p:ext>
-    </p:extLst>
   </p:cSld>
   <p:clrMapOvr>
     <a:masterClrMapping/>
@@ -725,19 +706,12 @@
           <a:p>
             <a:fld id="{E432F499-B84D-4765-8785-928686D49AB2}" type="slidenum">
               <a:rPr lang="en-US" smtClean="0"/>
-              <a:pPr/>
-              <a:t>11</a:t>
             </a:fld>
             <a:endParaRPr lang="en-US"/>
           </a:p>
         </p:txBody>
       </p:sp>
     </p:spTree>
-    <p:extLst>
-      <p:ext uri="{BB962C8B-B14F-4D97-AF65-F5344CB8AC3E}">
-        <p14:creationId xmlns:p14="http://schemas.microsoft.com/office/powerpoint/2010/main" val="580737135"/>
-      </p:ext>
-    </p:extLst>
   </p:cSld>
   <p:clrMapOvr>
     <a:masterClrMapping/>
@@ -810,19 +784,12 @@
           <a:p>
             <a:fld id="{E432F499-B84D-4765-8785-928686D49AB2}" type="slidenum">
               <a:rPr lang="en-US" smtClean="0"/>
-              <a:pPr/>
-              <a:t>12</a:t>
             </a:fld>
             <a:endParaRPr lang="en-US"/>
           </a:p>
         </p:txBody>
       </p:sp>
     </p:spTree>
-    <p:extLst>
-      <p:ext uri="{BB962C8B-B14F-4D97-AF65-F5344CB8AC3E}">
-        <p14:creationId xmlns:p14="http://schemas.microsoft.com/office/powerpoint/2010/main" val="580737135"/>
-      </p:ext>
-    </p:extLst>
   </p:cSld>
   <p:clrMapOvr>
     <a:masterClrMapping/>
@@ -895,19 +862,12 @@
           <a:p>
             <a:fld id="{E432F499-B84D-4765-8785-928686D49AB2}" type="slidenum">
               <a:rPr lang="en-US" smtClean="0"/>
-              <a:pPr/>
-              <a:t>13</a:t>
             </a:fld>
             <a:endParaRPr lang="en-US"/>
           </a:p>
         </p:txBody>
       </p:sp>
     </p:spTree>
-    <p:extLst>
-      <p:ext uri="{BB962C8B-B14F-4D97-AF65-F5344CB8AC3E}">
-        <p14:creationId xmlns:p14="http://schemas.microsoft.com/office/powerpoint/2010/main" val="580737135"/>
-      </p:ext>
-    </p:extLst>
   </p:cSld>
   <p:clrMapOvr>
     <a:masterClrMapping/>
@@ -980,19 +940,12 @@
           <a:p>
             <a:fld id="{E432F499-B84D-4765-8785-928686D49AB2}" type="slidenum">
               <a:rPr lang="en-US" smtClean="0"/>
-              <a:pPr/>
-              <a:t>14</a:t>
             </a:fld>
             <a:endParaRPr lang="en-US"/>
           </a:p>
         </p:txBody>
       </p:sp>
     </p:spTree>
-    <p:extLst>
-      <p:ext uri="{BB962C8B-B14F-4D97-AF65-F5344CB8AC3E}">
-        <p14:creationId xmlns:p14="http://schemas.microsoft.com/office/powerpoint/2010/main" val="580737135"/>
-      </p:ext>
-    </p:extLst>
   </p:cSld>
   <p:clrMapOvr>
     <a:masterClrMapping/>
@@ -1065,19 +1018,12 @@
           <a:p>
             <a:fld id="{E432F499-B84D-4765-8785-928686D49AB2}" type="slidenum">
               <a:rPr lang="en-US" smtClean="0"/>
-              <a:pPr/>
-              <a:t>15</a:t>
             </a:fld>
             <a:endParaRPr lang="en-US"/>
           </a:p>
         </p:txBody>
       </p:sp>
     </p:spTree>
-    <p:extLst>
-      <p:ext uri="{BB962C8B-B14F-4D97-AF65-F5344CB8AC3E}">
-        <p14:creationId xmlns:p14="http://schemas.microsoft.com/office/powerpoint/2010/main" val="580737135"/>
-      </p:ext>
-    </p:extLst>
   </p:cSld>
   <p:clrMapOvr>
     <a:masterClrMapping/>
@@ -1150,19 +1096,12 @@
           <a:p>
             <a:fld id="{E432F499-B84D-4765-8785-928686D49AB2}" type="slidenum">
               <a:rPr lang="en-US" smtClean="0"/>
-              <a:pPr/>
-              <a:t>16</a:t>
             </a:fld>
             <a:endParaRPr lang="en-US"/>
           </a:p>
         </p:txBody>
       </p:sp>
     </p:spTree>
-    <p:extLst>
-      <p:ext uri="{BB962C8B-B14F-4D97-AF65-F5344CB8AC3E}">
-        <p14:creationId xmlns:p14="http://schemas.microsoft.com/office/powerpoint/2010/main" val="580737135"/>
-      </p:ext>
-    </p:extLst>
   </p:cSld>
   <p:clrMapOvr>
     <a:masterClrMapping/>
@@ -1235,19 +1174,12 @@
           <a:p>
             <a:fld id="{E432F499-B84D-4765-8785-928686D49AB2}" type="slidenum">
               <a:rPr lang="en-US" smtClean="0"/>
-              <a:pPr/>
-              <a:t>17</a:t>
             </a:fld>
             <a:endParaRPr lang="en-US"/>
           </a:p>
         </p:txBody>
       </p:sp>
     </p:spTree>
-    <p:extLst>
-      <p:ext uri="{BB962C8B-B14F-4D97-AF65-F5344CB8AC3E}">
-        <p14:creationId xmlns:p14="http://schemas.microsoft.com/office/powerpoint/2010/main" val="580737135"/>
-      </p:ext>
-    </p:extLst>
   </p:cSld>
   <p:clrMapOvr>
     <a:masterClrMapping/>
@@ -1320,19 +1252,12 @@
           <a:p>
             <a:fld id="{E432F499-B84D-4765-8785-928686D49AB2}" type="slidenum">
               <a:rPr lang="en-US" smtClean="0"/>
-              <a:pPr/>
-              <a:t>18</a:t>
             </a:fld>
             <a:endParaRPr lang="en-US"/>
           </a:p>
         </p:txBody>
       </p:sp>
     </p:spTree>
-    <p:extLst>
-      <p:ext uri="{BB962C8B-B14F-4D97-AF65-F5344CB8AC3E}">
-        <p14:creationId xmlns:p14="http://schemas.microsoft.com/office/powerpoint/2010/main" val="580737135"/>
-      </p:ext>
-    </p:extLst>
   </p:cSld>
   <p:clrMapOvr>
     <a:masterClrMapping/>
@@ -1405,19 +1330,12 @@
           <a:p>
             <a:fld id="{E432F499-B84D-4765-8785-928686D49AB2}" type="slidenum">
               <a:rPr lang="en-US" smtClean="0"/>
-              <a:pPr/>
-              <a:t>19</a:t>
             </a:fld>
             <a:endParaRPr lang="en-US"/>
           </a:p>
         </p:txBody>
       </p:sp>
     </p:spTree>
-    <p:extLst>
-      <p:ext uri="{BB962C8B-B14F-4D97-AF65-F5344CB8AC3E}">
-        <p14:creationId xmlns:p14="http://schemas.microsoft.com/office/powerpoint/2010/main" val="580737135"/>
-      </p:ext>
-    </p:extLst>
   </p:cSld>
   <p:clrMapOvr>
     <a:masterClrMapping/>
@@ -1490,19 +1408,12 @@
           <a:p>
             <a:fld id="{E432F499-B84D-4765-8785-928686D49AB2}" type="slidenum">
               <a:rPr lang="en-US" smtClean="0"/>
-              <a:pPr/>
-              <a:t>2</a:t>
             </a:fld>
             <a:endParaRPr lang="en-US"/>
           </a:p>
         </p:txBody>
       </p:sp>
     </p:spTree>
-    <p:extLst>
-      <p:ext uri="{BB962C8B-B14F-4D97-AF65-F5344CB8AC3E}">
-        <p14:creationId xmlns:p14="http://schemas.microsoft.com/office/powerpoint/2010/main" val="580737135"/>
-      </p:ext>
-    </p:extLst>
   </p:cSld>
   <p:clrMapOvr>
     <a:masterClrMapping/>
@@ -1575,19 +1486,12 @@
           <a:p>
             <a:fld id="{E432F499-B84D-4765-8785-928686D49AB2}" type="slidenum">
               <a:rPr lang="en-US" smtClean="0"/>
-              <a:pPr/>
-              <a:t>20</a:t>
             </a:fld>
             <a:endParaRPr lang="en-US"/>
           </a:p>
         </p:txBody>
       </p:sp>
     </p:spTree>
-    <p:extLst>
-      <p:ext uri="{BB962C8B-B14F-4D97-AF65-F5344CB8AC3E}">
-        <p14:creationId xmlns:p14="http://schemas.microsoft.com/office/powerpoint/2010/main" val="580737135"/>
-      </p:ext>
-    </p:extLst>
   </p:cSld>
   <p:clrMapOvr>
     <a:masterClrMapping/>
@@ -1660,19 +1564,12 @@
           <a:p>
             <a:fld id="{E432F499-B84D-4765-8785-928686D49AB2}" type="slidenum">
               <a:rPr lang="en-US" smtClean="0"/>
-              <a:pPr/>
-              <a:t>21</a:t>
             </a:fld>
             <a:endParaRPr lang="en-US"/>
           </a:p>
         </p:txBody>
       </p:sp>
     </p:spTree>
-    <p:extLst>
-      <p:ext uri="{BB962C8B-B14F-4D97-AF65-F5344CB8AC3E}">
-        <p14:creationId xmlns:p14="http://schemas.microsoft.com/office/powerpoint/2010/main" val="580737135"/>
-      </p:ext>
-    </p:extLst>
   </p:cSld>
   <p:clrMapOvr>
     <a:masterClrMapping/>
@@ -1745,19 +1642,12 @@
           <a:p>
             <a:fld id="{E432F499-B84D-4765-8785-928686D49AB2}" type="slidenum">
               <a:rPr lang="en-US" smtClean="0"/>
-              <a:pPr/>
-              <a:t>22</a:t>
             </a:fld>
             <a:endParaRPr lang="en-US"/>
           </a:p>
         </p:txBody>
       </p:sp>
     </p:spTree>
-    <p:extLst>
-      <p:ext uri="{BB962C8B-B14F-4D97-AF65-F5344CB8AC3E}">
-        <p14:creationId xmlns:p14="http://schemas.microsoft.com/office/powerpoint/2010/main" val="580737135"/>
-      </p:ext>
-    </p:extLst>
   </p:cSld>
   <p:clrMapOvr>
     <a:masterClrMapping/>
@@ -1830,19 +1720,12 @@
           <a:p>
             <a:fld id="{E432F499-B84D-4765-8785-928686D49AB2}" type="slidenum">
               <a:rPr lang="en-US" smtClean="0"/>
-              <a:pPr/>
-              <a:t>23</a:t>
             </a:fld>
             <a:endParaRPr lang="en-US"/>
           </a:p>
         </p:txBody>
       </p:sp>
     </p:spTree>
-    <p:extLst>
-      <p:ext uri="{BB962C8B-B14F-4D97-AF65-F5344CB8AC3E}">
-        <p14:creationId xmlns:p14="http://schemas.microsoft.com/office/powerpoint/2010/main" val="580737135"/>
-      </p:ext>
-    </p:extLst>
   </p:cSld>
   <p:clrMapOvr>
     <a:masterClrMapping/>
@@ -1915,19 +1798,12 @@
           <a:p>
             <a:fld id="{E432F499-B84D-4765-8785-928686D49AB2}" type="slidenum">
               <a:rPr lang="en-US" smtClean="0"/>
-              <a:pPr/>
-              <a:t>24</a:t>
             </a:fld>
             <a:endParaRPr lang="en-US"/>
           </a:p>
         </p:txBody>
       </p:sp>
     </p:spTree>
-    <p:extLst>
-      <p:ext uri="{BB962C8B-B14F-4D97-AF65-F5344CB8AC3E}">
-        <p14:creationId xmlns:p14="http://schemas.microsoft.com/office/powerpoint/2010/main" val="580737135"/>
-      </p:ext>
-    </p:extLst>
   </p:cSld>
   <p:clrMapOvr>
     <a:masterClrMapping/>
@@ -2000,19 +1876,12 @@
           <a:p>
             <a:fld id="{E432F499-B84D-4765-8785-928686D49AB2}" type="slidenum">
               <a:rPr lang="en-US" smtClean="0"/>
-              <a:pPr/>
-              <a:t>25</a:t>
             </a:fld>
             <a:endParaRPr lang="en-US"/>
           </a:p>
         </p:txBody>
       </p:sp>
     </p:spTree>
-    <p:extLst>
-      <p:ext uri="{BB962C8B-B14F-4D97-AF65-F5344CB8AC3E}">
-        <p14:creationId xmlns:p14="http://schemas.microsoft.com/office/powerpoint/2010/main" val="580737135"/>
-      </p:ext>
-    </p:extLst>
   </p:cSld>
   <p:clrMapOvr>
     <a:masterClrMapping/>
@@ -2085,19 +1954,12 @@
           <a:p>
             <a:fld id="{E432F499-B84D-4765-8785-928686D49AB2}" type="slidenum">
               <a:rPr lang="en-US" smtClean="0"/>
-              <a:pPr/>
-              <a:t>26</a:t>
             </a:fld>
             <a:endParaRPr lang="en-US"/>
           </a:p>
         </p:txBody>
       </p:sp>
     </p:spTree>
-    <p:extLst>
-      <p:ext uri="{BB962C8B-B14F-4D97-AF65-F5344CB8AC3E}">
-        <p14:creationId xmlns:p14="http://schemas.microsoft.com/office/powerpoint/2010/main" val="580737135"/>
-      </p:ext>
-    </p:extLst>
   </p:cSld>
   <p:clrMapOvr>
     <a:masterClrMapping/>
@@ -2170,19 +2032,12 @@
           <a:p>
             <a:fld id="{E432F499-B84D-4765-8785-928686D49AB2}" type="slidenum">
               <a:rPr lang="en-US" smtClean="0"/>
-              <a:pPr/>
-              <a:t>28</a:t>
             </a:fld>
             <a:endParaRPr lang="en-US"/>
           </a:p>
         </p:txBody>
       </p:sp>
     </p:spTree>
-    <p:extLst>
-      <p:ext uri="{BB962C8B-B14F-4D97-AF65-F5344CB8AC3E}">
-        <p14:creationId xmlns:p14="http://schemas.microsoft.com/office/powerpoint/2010/main" val="580737135"/>
-      </p:ext>
-    </p:extLst>
   </p:cSld>
   <p:clrMapOvr>
     <a:masterClrMapping/>
@@ -2255,19 +2110,12 @@
           <a:p>
             <a:fld id="{E432F499-B84D-4765-8785-928686D49AB2}" type="slidenum">
               <a:rPr lang="en-US" smtClean="0"/>
-              <a:pPr/>
-              <a:t>29</a:t>
             </a:fld>
             <a:endParaRPr lang="en-US"/>
           </a:p>
         </p:txBody>
       </p:sp>
     </p:spTree>
-    <p:extLst>
-      <p:ext uri="{BB962C8B-B14F-4D97-AF65-F5344CB8AC3E}">
-        <p14:creationId xmlns:p14="http://schemas.microsoft.com/office/powerpoint/2010/main" val="580737135"/>
-      </p:ext>
-    </p:extLst>
   </p:cSld>
   <p:clrMapOvr>
     <a:masterClrMapping/>
@@ -2340,19 +2188,12 @@
           <a:p>
             <a:fld id="{E432F499-B84D-4765-8785-928686D49AB2}" type="slidenum">
               <a:rPr lang="en-US" smtClean="0"/>
-              <a:pPr/>
-              <a:t>3</a:t>
             </a:fld>
             <a:endParaRPr lang="en-US"/>
           </a:p>
         </p:txBody>
       </p:sp>
     </p:spTree>
-    <p:extLst>
-      <p:ext uri="{BB962C8B-B14F-4D97-AF65-F5344CB8AC3E}">
-        <p14:creationId xmlns:p14="http://schemas.microsoft.com/office/powerpoint/2010/main" val="580737135"/>
-      </p:ext>
-    </p:extLst>
   </p:cSld>
   <p:clrMapOvr>
     <a:masterClrMapping/>
@@ -2425,19 +2266,12 @@
           <a:p>
             <a:fld id="{E432F499-B84D-4765-8785-928686D49AB2}" type="slidenum">
               <a:rPr lang="en-US" smtClean="0"/>
-              <a:pPr/>
-              <a:t>4</a:t>
             </a:fld>
             <a:endParaRPr lang="en-US"/>
           </a:p>
         </p:txBody>
       </p:sp>
     </p:spTree>
-    <p:extLst>
-      <p:ext uri="{BB962C8B-B14F-4D97-AF65-F5344CB8AC3E}">
-        <p14:creationId xmlns:p14="http://schemas.microsoft.com/office/powerpoint/2010/main" val="580737135"/>
-      </p:ext>
-    </p:extLst>
   </p:cSld>
   <p:clrMapOvr>
     <a:masterClrMapping/>
@@ -2510,19 +2344,12 @@
           <a:p>
             <a:fld id="{E432F499-B84D-4765-8785-928686D49AB2}" type="slidenum">
               <a:rPr lang="en-US" smtClean="0"/>
-              <a:pPr/>
-              <a:t>5</a:t>
             </a:fld>
             <a:endParaRPr lang="en-US"/>
           </a:p>
         </p:txBody>
       </p:sp>
     </p:spTree>
-    <p:extLst>
-      <p:ext uri="{BB962C8B-B14F-4D97-AF65-F5344CB8AC3E}">
-        <p14:creationId xmlns:p14="http://schemas.microsoft.com/office/powerpoint/2010/main" val="580737135"/>
-      </p:ext>
-    </p:extLst>
   </p:cSld>
   <p:clrMapOvr>
     <a:masterClrMapping/>
@@ -2595,19 +2422,12 @@
           <a:p>
             <a:fld id="{E432F499-B84D-4765-8785-928686D49AB2}" type="slidenum">
               <a:rPr lang="en-US" smtClean="0"/>
-              <a:pPr/>
-              <a:t>6</a:t>
             </a:fld>
             <a:endParaRPr lang="en-US"/>
           </a:p>
         </p:txBody>
       </p:sp>
     </p:spTree>
-    <p:extLst>
-      <p:ext uri="{BB962C8B-B14F-4D97-AF65-F5344CB8AC3E}">
-        <p14:creationId xmlns:p14="http://schemas.microsoft.com/office/powerpoint/2010/main" val="580737135"/>
-      </p:ext>
-    </p:extLst>
   </p:cSld>
   <p:clrMapOvr>
     <a:masterClrMapping/>
@@ -2680,19 +2500,12 @@
           <a:p>
             <a:fld id="{E432F499-B84D-4765-8785-928686D49AB2}" type="slidenum">
               <a:rPr lang="en-US" smtClean="0"/>
-              <a:pPr/>
-              <a:t>7</a:t>
             </a:fld>
             <a:endParaRPr lang="en-US"/>
           </a:p>
         </p:txBody>
       </p:sp>
     </p:spTree>
-    <p:extLst>
-      <p:ext uri="{BB962C8B-B14F-4D97-AF65-F5344CB8AC3E}">
-        <p14:creationId xmlns:p14="http://schemas.microsoft.com/office/powerpoint/2010/main" val="580737135"/>
-      </p:ext>
-    </p:extLst>
   </p:cSld>
   <p:clrMapOvr>
     <a:masterClrMapping/>
@@ -2765,19 +2578,12 @@
           <a:p>
             <a:fld id="{E432F499-B84D-4765-8785-928686D49AB2}" type="slidenum">
               <a:rPr lang="en-US" smtClean="0"/>
-              <a:pPr/>
-              <a:t>8</a:t>
             </a:fld>
             <a:endParaRPr lang="en-US"/>
           </a:p>
         </p:txBody>
       </p:sp>
     </p:spTree>
-    <p:extLst>
-      <p:ext uri="{BB962C8B-B14F-4D97-AF65-F5344CB8AC3E}">
-        <p14:creationId xmlns:p14="http://schemas.microsoft.com/office/powerpoint/2010/main" val="580737135"/>
-      </p:ext>
-    </p:extLst>
   </p:cSld>
   <p:clrMapOvr>
     <a:masterClrMapping/>
@@ -2850,19 +2656,12 @@
           <a:p>
             <a:fld id="{E432F499-B84D-4765-8785-928686D49AB2}" type="slidenum">
               <a:rPr lang="en-US" smtClean="0"/>
-              <a:pPr/>
-              <a:t>9</a:t>
             </a:fld>
             <a:endParaRPr lang="en-US"/>
           </a:p>
         </p:txBody>
       </p:sp>
     </p:spTree>
-    <p:extLst>
-      <p:ext uri="{BB962C8B-B14F-4D97-AF65-F5344CB8AC3E}">
-        <p14:creationId xmlns:p14="http://schemas.microsoft.com/office/powerpoint/2010/main" val="580737135"/>
-      </p:ext>
-    </p:extLst>
   </p:cSld>
   <p:clrMapOvr>
     <a:masterClrMapping/>
@@ -3051,8 +2850,6 @@
           <a:p>
             <a:fld id="{7888DC4D-7200-481C-970B-008D5F494366}" type="datetime1">
               <a:rPr lang="en-US" smtClean="0"/>
-              <a:pPr/>
-              <a:t>4/25/2013</a:t>
             </a:fld>
             <a:endParaRPr lang="en-US"/>
           </a:p>
@@ -3094,8 +2891,6 @@
           <a:p>
             <a:fld id="{B6F15528-21DE-4FAA-801E-634DDDAF4B2B}" type="slidenum">
               <a:rPr lang="en-US" smtClean="0"/>
-              <a:pPr/>
-              <a:t>‹#›</a:t>
             </a:fld>
             <a:endParaRPr lang="en-US"/>
           </a:p>
@@ -3169,6 +2964,7 @@
               <a:rPr lang="en-US" smtClean="0"/>
               <a:t>Click to edit Master text styles</a:t>
             </a:r>
+            <a:endParaRPr lang="en-US" smtClean="0"/>
           </a:p>
           <a:p>
             <a:pPr lvl="1"/>
@@ -3176,6 +2972,7 @@
               <a:rPr lang="en-US" smtClean="0"/>
               <a:t>Second level</a:t>
             </a:r>
+            <a:endParaRPr lang="en-US" smtClean="0"/>
           </a:p>
           <a:p>
             <a:pPr lvl="2"/>
@@ -3183,6 +2980,7 @@
               <a:rPr lang="en-US" smtClean="0"/>
               <a:t>Third level</a:t>
             </a:r>
+            <a:endParaRPr lang="en-US" smtClean="0"/>
           </a:p>
           <a:p>
             <a:pPr lvl="3"/>
@@ -3190,6 +2988,7 @@
               <a:rPr lang="en-US" smtClean="0"/>
               <a:t>Fourth level</a:t>
             </a:r>
+            <a:endParaRPr lang="en-US" smtClean="0"/>
           </a:p>
           <a:p>
             <a:pPr lvl="4"/>
@@ -3218,8 +3017,6 @@
           <a:p>
             <a:fld id="{9C102920-2F56-4064-84FB-5559C5136259}" type="datetime1">
               <a:rPr lang="en-US" smtClean="0"/>
-              <a:pPr/>
-              <a:t>4/25/2013</a:t>
             </a:fld>
             <a:endParaRPr lang="en-US"/>
           </a:p>
@@ -3261,8 +3058,6 @@
           <a:p>
             <a:fld id="{B6F15528-21DE-4FAA-801E-634DDDAF4B2B}" type="slidenum">
               <a:rPr lang="en-US" smtClean="0"/>
-              <a:pPr/>
-              <a:t>‹#›</a:t>
             </a:fld>
             <a:endParaRPr lang="en-US"/>
           </a:p>
@@ -3346,6 +3141,7 @@
               <a:rPr lang="en-US" smtClean="0"/>
               <a:t>Click to edit Master text styles</a:t>
             </a:r>
+            <a:endParaRPr lang="en-US" smtClean="0"/>
           </a:p>
           <a:p>
             <a:pPr lvl="1"/>
@@ -3353,6 +3149,7 @@
               <a:rPr lang="en-US" smtClean="0"/>
               <a:t>Second level</a:t>
             </a:r>
+            <a:endParaRPr lang="en-US" smtClean="0"/>
           </a:p>
           <a:p>
             <a:pPr lvl="2"/>
@@ -3360,6 +3157,7 @@
               <a:rPr lang="en-US" smtClean="0"/>
               <a:t>Third level</a:t>
             </a:r>
+            <a:endParaRPr lang="en-US" smtClean="0"/>
           </a:p>
           <a:p>
             <a:pPr lvl="3"/>
@@ -3367,6 +3165,7 @@
               <a:rPr lang="en-US" smtClean="0"/>
               <a:t>Fourth level</a:t>
             </a:r>
+            <a:endParaRPr lang="en-US" smtClean="0"/>
           </a:p>
           <a:p>
             <a:pPr lvl="4"/>
@@ -3395,8 +3194,6 @@
           <a:p>
             <a:fld id="{548582FE-9DA7-4A0F-B7FA-2CCC3CA9609E}" type="datetime1">
               <a:rPr lang="en-US" smtClean="0"/>
-              <a:pPr/>
-              <a:t>4/25/2013</a:t>
             </a:fld>
             <a:endParaRPr lang="en-US"/>
           </a:p>
@@ -3438,8 +3235,6 @@
           <a:p>
             <a:fld id="{B6F15528-21DE-4FAA-801E-634DDDAF4B2B}" type="slidenum">
               <a:rPr lang="en-US" smtClean="0"/>
-              <a:pPr/>
-              <a:t>‹#›</a:t>
             </a:fld>
             <a:endParaRPr lang="en-US"/>
           </a:p>
@@ -3513,6 +3308,7 @@
               <a:rPr lang="en-US" smtClean="0"/>
               <a:t>Click to edit Master text styles</a:t>
             </a:r>
+            <a:endParaRPr lang="en-US" smtClean="0"/>
           </a:p>
           <a:p>
             <a:pPr lvl="1"/>
@@ -3520,6 +3316,7 @@
               <a:rPr lang="en-US" smtClean="0"/>
               <a:t>Second level</a:t>
             </a:r>
+            <a:endParaRPr lang="en-US" smtClean="0"/>
           </a:p>
           <a:p>
             <a:pPr lvl="2"/>
@@ -3527,6 +3324,7 @@
               <a:rPr lang="en-US" smtClean="0"/>
               <a:t>Third level</a:t>
             </a:r>
+            <a:endParaRPr lang="en-US" smtClean="0"/>
           </a:p>
           <a:p>
             <a:pPr lvl="3"/>
@@ -3534,6 +3332,7 @@
               <a:rPr lang="en-US" smtClean="0"/>
               <a:t>Fourth level</a:t>
             </a:r>
+            <a:endParaRPr lang="en-US" smtClean="0"/>
           </a:p>
           <a:p>
             <a:pPr lvl="4"/>
@@ -3562,8 +3361,6 @@
           <a:p>
             <a:fld id="{088ECB32-34C3-495D-A2FB-50EF38691090}" type="datetime1">
               <a:rPr lang="en-US" smtClean="0"/>
-              <a:pPr/>
-              <a:t>4/25/2013</a:t>
             </a:fld>
             <a:endParaRPr lang="en-US"/>
           </a:p>
@@ -3605,8 +3402,6 @@
           <a:p>
             <a:fld id="{B6F15528-21DE-4FAA-801E-634DDDAF4B2B}" type="slidenum">
               <a:rPr lang="en-US" smtClean="0"/>
-              <a:pPr/>
-              <a:t>‹#›</a:t>
             </a:fld>
             <a:endParaRPr lang="en-US"/>
           </a:p>
@@ -3785,6 +3580,7 @@
               <a:rPr lang="en-US" smtClean="0"/>
               <a:t>Click to edit Master text styles</a:t>
             </a:r>
+            <a:endParaRPr lang="en-US" smtClean="0"/>
           </a:p>
         </p:txBody>
       </p:sp>
@@ -3805,8 +3601,6 @@
           <a:p>
             <a:fld id="{232BF9A1-01BE-4D58-AA5C-4206082203D8}" type="datetime1">
               <a:rPr lang="en-US" smtClean="0"/>
-              <a:pPr/>
-              <a:t>4/25/2013</a:t>
             </a:fld>
             <a:endParaRPr lang="en-US"/>
           </a:p>
@@ -3848,8 +3642,6 @@
           <a:p>
             <a:fld id="{B6F15528-21DE-4FAA-801E-634DDDAF4B2B}" type="slidenum">
               <a:rPr lang="en-US" smtClean="0"/>
-              <a:pPr/>
-              <a:t>‹#›</a:t>
             </a:fld>
             <a:endParaRPr lang="en-US"/>
           </a:p>
@@ -3956,6 +3748,7 @@
               <a:rPr lang="en-US" smtClean="0"/>
               <a:t>Click to edit Master text styles</a:t>
             </a:r>
+            <a:endParaRPr lang="en-US" smtClean="0"/>
           </a:p>
           <a:p>
             <a:pPr lvl="1"/>
@@ -3963,6 +3756,7 @@
               <a:rPr lang="en-US" smtClean="0"/>
               <a:t>Second level</a:t>
             </a:r>
+            <a:endParaRPr lang="en-US" smtClean="0"/>
           </a:p>
           <a:p>
             <a:pPr lvl="2"/>
@@ -3970,6 +3764,7 @@
               <a:rPr lang="en-US" smtClean="0"/>
               <a:t>Third level</a:t>
             </a:r>
+            <a:endParaRPr lang="en-US" smtClean="0"/>
           </a:p>
           <a:p>
             <a:pPr lvl="3"/>
@@ -3977,6 +3772,7 @@
               <a:rPr lang="en-US" smtClean="0"/>
               <a:t>Fourth level</a:t>
             </a:r>
+            <a:endParaRPr lang="en-US" smtClean="0"/>
           </a:p>
           <a:p>
             <a:pPr lvl="4"/>
@@ -4041,6 +3837,7 @@
               <a:rPr lang="en-US" smtClean="0"/>
               <a:t>Click to edit Master text styles</a:t>
             </a:r>
+            <a:endParaRPr lang="en-US" smtClean="0"/>
           </a:p>
           <a:p>
             <a:pPr lvl="1"/>
@@ -4048,6 +3845,7 @@
               <a:rPr lang="en-US" smtClean="0"/>
               <a:t>Second level</a:t>
             </a:r>
+            <a:endParaRPr lang="en-US" smtClean="0"/>
           </a:p>
           <a:p>
             <a:pPr lvl="2"/>
@@ -4055,6 +3853,7 @@
               <a:rPr lang="en-US" smtClean="0"/>
               <a:t>Third level</a:t>
             </a:r>
+            <a:endParaRPr lang="en-US" smtClean="0"/>
           </a:p>
           <a:p>
             <a:pPr lvl="3"/>
@@ -4062,6 +3861,7 @@
               <a:rPr lang="en-US" smtClean="0"/>
               <a:t>Fourth level</a:t>
             </a:r>
+            <a:endParaRPr lang="en-US" smtClean="0"/>
           </a:p>
           <a:p>
             <a:pPr lvl="4"/>
@@ -4090,8 +3890,6 @@
           <a:p>
             <a:fld id="{B5EDBE69-08B3-401F-9A87-094DAE017CD9}" type="datetime1">
               <a:rPr lang="en-US" smtClean="0"/>
-              <a:pPr/>
-              <a:t>4/25/2013</a:t>
             </a:fld>
             <a:endParaRPr lang="en-US"/>
           </a:p>
@@ -4133,8 +3931,6 @@
           <a:p>
             <a:fld id="{B6F15528-21DE-4FAA-801E-634DDDAF4B2B}" type="slidenum">
               <a:rPr lang="en-US" smtClean="0"/>
-              <a:pPr/>
-              <a:t>‹#›</a:t>
             </a:fld>
             <a:endParaRPr lang="en-US"/>
           </a:p>
@@ -4254,6 +4050,7 @@
               <a:rPr lang="en-US" smtClean="0"/>
               <a:t>Click to edit Master text styles</a:t>
             </a:r>
+            <a:endParaRPr lang="en-US" smtClean="0"/>
           </a:p>
         </p:txBody>
       </p:sp>
@@ -4310,6 +4107,7 @@
               <a:rPr lang="en-US" smtClean="0"/>
               <a:t>Click to edit Master text styles</a:t>
             </a:r>
+            <a:endParaRPr lang="en-US" smtClean="0"/>
           </a:p>
           <a:p>
             <a:pPr lvl="1"/>
@@ -4317,6 +4115,7 @@
               <a:rPr lang="en-US" smtClean="0"/>
               <a:t>Second level</a:t>
             </a:r>
+            <a:endParaRPr lang="en-US" smtClean="0"/>
           </a:p>
           <a:p>
             <a:pPr lvl="2"/>
@@ -4324,6 +4123,7 @@
               <a:rPr lang="en-US" smtClean="0"/>
               <a:t>Third level</a:t>
             </a:r>
+            <a:endParaRPr lang="en-US" smtClean="0"/>
           </a:p>
           <a:p>
             <a:pPr lvl="3"/>
@@ -4331,6 +4131,7 @@
               <a:rPr lang="en-US" smtClean="0"/>
               <a:t>Fourth level</a:t>
             </a:r>
+            <a:endParaRPr lang="en-US" smtClean="0"/>
           </a:p>
           <a:p>
             <a:pPr lvl="4"/>
@@ -4404,6 +4205,7 @@
               <a:rPr lang="en-US" smtClean="0"/>
               <a:t>Click to edit Master text styles</a:t>
             </a:r>
+            <a:endParaRPr lang="en-US" smtClean="0"/>
           </a:p>
         </p:txBody>
       </p:sp>
@@ -4460,6 +4262,7 @@
               <a:rPr lang="en-US" smtClean="0"/>
               <a:t>Click to edit Master text styles</a:t>
             </a:r>
+            <a:endParaRPr lang="en-US" smtClean="0"/>
           </a:p>
           <a:p>
             <a:pPr lvl="1"/>
@@ -4467,6 +4270,7 @@
               <a:rPr lang="en-US" smtClean="0"/>
               <a:t>Second level</a:t>
             </a:r>
+            <a:endParaRPr lang="en-US" smtClean="0"/>
           </a:p>
           <a:p>
             <a:pPr lvl="2"/>
@@ -4474,6 +4278,7 @@
               <a:rPr lang="en-US" smtClean="0"/>
               <a:t>Third level</a:t>
             </a:r>
+            <a:endParaRPr lang="en-US" smtClean="0"/>
           </a:p>
           <a:p>
             <a:pPr lvl="3"/>
@@ -4481,6 +4286,7 @@
               <a:rPr lang="en-US" smtClean="0"/>
               <a:t>Fourth level</a:t>
             </a:r>
+            <a:endParaRPr lang="en-US" smtClean="0"/>
           </a:p>
           <a:p>
             <a:pPr lvl="4"/>
@@ -4509,8 +4315,6 @@
           <a:p>
             <a:fld id="{7859C082-FD2D-42BA-9FEC-33A15AF0487F}" type="datetime1">
               <a:rPr lang="en-US" smtClean="0"/>
-              <a:pPr/>
-              <a:t>4/25/2013</a:t>
             </a:fld>
             <a:endParaRPr lang="en-US"/>
           </a:p>
@@ -4552,8 +4356,6 @@
           <a:p>
             <a:fld id="{B6F15528-21DE-4FAA-801E-634DDDAF4B2B}" type="slidenum">
               <a:rPr lang="en-US" smtClean="0"/>
-              <a:pPr/>
-              <a:t>‹#›</a:t>
             </a:fld>
             <a:endParaRPr lang="en-US"/>
           </a:p>
@@ -4624,8 +4426,6 @@
           <a:p>
             <a:fld id="{214FAD33-9D98-4D77-B865-4D7A90CF1342}" type="datetime1">
               <a:rPr lang="en-US" smtClean="0"/>
-              <a:pPr/>
-              <a:t>4/25/2013</a:t>
             </a:fld>
             <a:endParaRPr lang="en-US"/>
           </a:p>
@@ -4667,8 +4467,6 @@
           <a:p>
             <a:fld id="{B6F15528-21DE-4FAA-801E-634DDDAF4B2B}" type="slidenum">
               <a:rPr lang="en-US" smtClean="0"/>
-              <a:pPr/>
-              <a:t>‹#›</a:t>
             </a:fld>
             <a:endParaRPr lang="en-US"/>
           </a:p>
@@ -4716,8 +4514,6 @@
           <a:p>
             <a:fld id="{4D3A2DCA-0695-41F4-9F62-A44BE1784A8F}" type="datetime1">
               <a:rPr lang="en-US" smtClean="0"/>
-              <a:pPr/>
-              <a:t>4/25/2013</a:t>
             </a:fld>
             <a:endParaRPr lang="en-US"/>
           </a:p>
@@ -4759,8 +4555,6 @@
           <a:p>
             <a:fld id="{B6F15528-21DE-4FAA-801E-634DDDAF4B2B}" type="slidenum">
               <a:rPr lang="en-US" smtClean="0"/>
-              <a:pPr/>
-              <a:t>‹#›</a:t>
             </a:fld>
             <a:endParaRPr lang="en-US"/>
           </a:p>
@@ -4876,6 +4670,7 @@
               <a:rPr lang="en-US" smtClean="0"/>
               <a:t>Click to edit Master text styles</a:t>
             </a:r>
+            <a:endParaRPr lang="en-US" smtClean="0"/>
           </a:p>
           <a:p>
             <a:pPr lvl="1"/>
@@ -4883,6 +4678,7 @@
               <a:rPr lang="en-US" smtClean="0"/>
               <a:t>Second level</a:t>
             </a:r>
+            <a:endParaRPr lang="en-US" smtClean="0"/>
           </a:p>
           <a:p>
             <a:pPr lvl="2"/>
@@ -4890,6 +4686,7 @@
               <a:rPr lang="en-US" smtClean="0"/>
               <a:t>Third level</a:t>
             </a:r>
+            <a:endParaRPr lang="en-US" smtClean="0"/>
           </a:p>
           <a:p>
             <a:pPr lvl="3"/>
@@ -4897,6 +4694,7 @@
               <a:rPr lang="en-US" smtClean="0"/>
               <a:t>Fourth level</a:t>
             </a:r>
+            <a:endParaRPr lang="en-US" smtClean="0"/>
           </a:p>
           <a:p>
             <a:pPr lvl="4"/>
@@ -4970,6 +4768,7 @@
               <a:rPr lang="en-US" smtClean="0"/>
               <a:t>Click to edit Master text styles</a:t>
             </a:r>
+            <a:endParaRPr lang="en-US" smtClean="0"/>
           </a:p>
         </p:txBody>
       </p:sp>
@@ -4990,8 +4789,6 @@
           <a:p>
             <a:fld id="{D672619D-58E3-4FD8-A04F-35BE5A3E2338}" type="datetime1">
               <a:rPr lang="en-US" smtClean="0"/>
-              <a:pPr/>
-              <a:t>4/25/2013</a:t>
             </a:fld>
             <a:endParaRPr lang="en-US"/>
           </a:p>
@@ -5033,8 +4830,6 @@
           <a:p>
             <a:fld id="{B6F15528-21DE-4FAA-801E-634DDDAF4B2B}" type="slidenum">
               <a:rPr lang="en-US" smtClean="0"/>
-              <a:pPr/>
-              <a:t>‹#›</a:t>
             </a:fld>
             <a:endParaRPr lang="en-US"/>
           </a:p>
@@ -5220,6 +5015,7 @@
               <a:rPr lang="en-US" smtClean="0"/>
               <a:t>Click to edit Master text styles</a:t>
             </a:r>
+            <a:endParaRPr lang="en-US" smtClean="0"/>
           </a:p>
         </p:txBody>
       </p:sp>
@@ -5240,8 +5036,6 @@
           <a:p>
             <a:fld id="{BFF7ADA7-B44B-496B-BD22-CC55A1B7C893}" type="datetime1">
               <a:rPr lang="en-US" smtClean="0"/>
-              <a:pPr/>
-              <a:t>4/25/2013</a:t>
             </a:fld>
             <a:endParaRPr lang="en-US"/>
           </a:p>
@@ -5283,8 +5077,6 @@
           <a:p>
             <a:fld id="{B6F15528-21DE-4FAA-801E-634DDDAF4B2B}" type="slidenum">
               <a:rPr lang="en-US" smtClean="0"/>
-              <a:pPr/>
-              <a:t>‹#›</a:t>
             </a:fld>
             <a:endParaRPr lang="en-US"/>
           </a:p>
@@ -5304,7 +5096,7 @@
     <p:bg>
       <p:bgPr>
         <a:blipFill dpi="0" rotWithShape="1">
-          <a:blip r:embed="rId13">
+          <a:blip r:embed="rId12">
             <a:lum/>
           </a:blip>
           <a:srcRect/>
@@ -5392,6 +5184,7 @@
               <a:rPr lang="en-US" smtClean="0"/>
               <a:t>Click to edit Master text styles</a:t>
             </a:r>
+            <a:endParaRPr lang="en-US" smtClean="0"/>
           </a:p>
           <a:p>
             <a:pPr lvl="1"/>
@@ -5399,6 +5192,7 @@
               <a:rPr lang="en-US" smtClean="0"/>
               <a:t>Second level</a:t>
             </a:r>
+            <a:endParaRPr lang="en-US" smtClean="0"/>
           </a:p>
           <a:p>
             <a:pPr lvl="2"/>
@@ -5406,6 +5200,7 @@
               <a:rPr lang="en-US" smtClean="0"/>
               <a:t>Third level</a:t>
             </a:r>
+            <a:endParaRPr lang="en-US" smtClean="0"/>
           </a:p>
           <a:p>
             <a:pPr lvl="3"/>
@@ -5413,6 +5208,7 @@
               <a:rPr lang="en-US" smtClean="0"/>
               <a:t>Fourth level</a:t>
             </a:r>
+            <a:endParaRPr lang="en-US" smtClean="0"/>
           </a:p>
           <a:p>
             <a:pPr lvl="4"/>
@@ -5459,8 +5255,6 @@
           <a:p>
             <a:fld id="{D8BA6412-5CD6-435F-8BB8-DFAFE9AE8A81}" type="datetime1">
               <a:rPr lang="en-US" smtClean="0"/>
-              <a:pPr/>
-              <a:t>4/25/2013</a:t>
             </a:fld>
             <a:endParaRPr lang="en-US"/>
           </a:p>
@@ -5538,8 +5332,6 @@
           <a:p>
             <a:fld id="{B6F15528-21DE-4FAA-801E-634DDDAF4B2B}" type="slidenum">
               <a:rPr lang="en-US" smtClean="0"/>
-              <a:pPr/>
-              <a:t>‹#›</a:t>
             </a:fld>
             <a:endParaRPr lang="en-US"/>
           </a:p>
@@ -5591,7 +5383,7 @@
         <a:spcBef>
           <a:spcPct val="20000"/>
         </a:spcBef>
-        <a:buFont typeface="Arial" pitchFamily="34" charset="0"/>
+        <a:buFont typeface="Arial" panose="02080604020202020204" pitchFamily="34" charset="0"/>
         <a:buChar char="•"/>
         <a:defRPr sz="3200" kern="1200">
           <a:solidFill>
@@ -5606,7 +5398,7 @@
         <a:spcBef>
           <a:spcPct val="20000"/>
         </a:spcBef>
-        <a:buFont typeface="Arial" pitchFamily="34" charset="0"/>
+        <a:buFont typeface="Arial" panose="02080604020202020204" pitchFamily="34" charset="0"/>
         <a:buChar char="–"/>
         <a:defRPr sz="2800" kern="1200">
           <a:solidFill>
@@ -5621,7 +5413,7 @@
         <a:spcBef>
           <a:spcPct val="20000"/>
         </a:spcBef>
-        <a:buFont typeface="Arial" pitchFamily="34" charset="0"/>
+        <a:buFont typeface="Arial" panose="02080604020202020204" pitchFamily="34" charset="0"/>
         <a:buChar char="•"/>
         <a:defRPr sz="2400" kern="1200">
           <a:solidFill>
@@ -5636,7 +5428,7 @@
         <a:spcBef>
           <a:spcPct val="20000"/>
         </a:spcBef>
-        <a:buFont typeface="Arial" pitchFamily="34" charset="0"/>
+        <a:buFont typeface="Arial" panose="02080604020202020204" pitchFamily="34" charset="0"/>
         <a:buChar char="–"/>
         <a:defRPr sz="2000" kern="1200">
           <a:solidFill>
@@ -5651,7 +5443,7 @@
         <a:spcBef>
           <a:spcPct val="20000"/>
         </a:spcBef>
-        <a:buFont typeface="Arial" pitchFamily="34" charset="0"/>
+        <a:buFont typeface="Arial" panose="02080604020202020204" pitchFamily="34" charset="0"/>
         <a:buChar char="»"/>
         <a:defRPr sz="2000" kern="1200">
           <a:solidFill>
@@ -5666,7 +5458,7 @@
         <a:spcBef>
           <a:spcPct val="20000"/>
         </a:spcBef>
-        <a:buFont typeface="Arial" pitchFamily="34" charset="0"/>
+        <a:buFont typeface="Arial" panose="02080604020202020204" pitchFamily="34" charset="0"/>
         <a:buChar char="•"/>
         <a:defRPr sz="2000" kern="1200">
           <a:solidFill>
@@ -5681,7 +5473,7 @@
         <a:spcBef>
           <a:spcPct val="20000"/>
         </a:spcBef>
-        <a:buFont typeface="Arial" pitchFamily="34" charset="0"/>
+        <a:buFont typeface="Arial" panose="02080604020202020204" pitchFamily="34" charset="0"/>
         <a:buChar char="•"/>
         <a:defRPr sz="2000" kern="1200">
           <a:solidFill>
@@ -5696,7 +5488,7 @@
         <a:spcBef>
           <a:spcPct val="20000"/>
         </a:spcBef>
-        <a:buFont typeface="Arial" pitchFamily="34" charset="0"/>
+        <a:buFont typeface="Arial" panose="02080604020202020204" pitchFamily="34" charset="0"/>
         <a:buChar char="•"/>
         <a:defRPr sz="2000" kern="1200">
           <a:solidFill>
@@ -5711,7 +5503,7 @@
         <a:spcBef>
           <a:spcPct val="20000"/>
         </a:spcBef>
-        <a:buFont typeface="Arial" pitchFamily="34" charset="0"/>
+        <a:buFont typeface="Arial" panose="02080604020202020204" pitchFamily="34" charset="0"/>
         <a:buChar char="•"/>
         <a:defRPr sz="2000" kern="1200">
           <a:solidFill>
@@ -5892,7 +5684,7 @@
           <a:lstStyle/>
           <a:p>
             <a:pPr marL="285750" indent="-285750">
-              <a:buFont typeface="Wingdings" pitchFamily="2" charset="2"/>
+              <a:buFont typeface="Wingdings" panose="05000000000000000000" pitchFamily="2" charset="2"/>
               <a:buChar char="v"/>
             </a:pPr>
             <a:r>
@@ -5934,8 +5726,6 @@
           <a:p>
             <a:fld id="{B6F15528-21DE-4FAA-801E-634DDDAF4B2B}" type="slidenum">
               <a:rPr lang="en-US" smtClean="0"/>
-              <a:pPr/>
-              <a:t>1</a:t>
             </a:fld>
             <a:endParaRPr lang="en-US" dirty="0"/>
           </a:p>
@@ -5944,9 +5734,7 @@
       <p:sp>
         <p:nvSpPr>
           <p:cNvPr id="10" name="Title 1"/>
-          <p:cNvSpPr txBox="1">
-            <a:spLocks/>
-          </p:cNvSpPr>
+          <p:cNvSpPr txBox="1"/>
           <p:nvPr/>
         </p:nvSpPr>
         <p:spPr>
@@ -5978,7 +5766,6 @@
               <a:buSzTx/>
               <a:buFontTx/>
               <a:buNone/>
-              <a:tabLst/>
               <a:defRPr/>
             </a:pPr>
             <a:r>
@@ -6032,6 +5819,20 @@
               </a:rPr>
               <a:t>MIPS Structure General Processor</a:t>
             </a:r>
+            <a:endParaRPr kumimoji="0" lang="en-US" sz="4400" b="1" i="0" u="none" strike="noStrike" kern="1200" cap="none" spc="0" normalizeH="0" noProof="0" dirty="0" smtClean="0">
+              <a:ln>
+                <a:noFill/>
+              </a:ln>
+              <a:solidFill>
+                <a:schemeClr val="tx1"/>
+              </a:solidFill>
+              <a:effectLst/>
+              <a:uLnTx/>
+              <a:uFillTx/>
+              <a:latin typeface="Times New Roman"/>
+              <a:ea typeface="+mj-ea"/>
+              <a:cs typeface="Times New Roman"/>
+            </a:endParaRPr>
           </a:p>
           <a:p>
             <a:pPr marL="0" marR="0" lvl="0" indent="0" algn="ctr" defTabSz="914400" rtl="0" eaLnBrk="1" fontAlgn="auto" latinLnBrk="0" hangingPunct="1">
@@ -6048,7 +5849,6 @@
               <a:buSzTx/>
               <a:buFontTx/>
               <a:buNone/>
-              <a:tabLst/>
               <a:defRPr/>
             </a:pPr>
             <a:r>
@@ -6076,263 +5876,7 @@
           </a:p>
         </p:txBody>
       </p:sp>
-      <p:sp>
-        <p:nvSpPr>
-          <p:cNvPr id="11" name="Subtitle 2"/>
-          <p:cNvSpPr txBox="1">
-            <a:spLocks/>
-          </p:cNvSpPr>
-          <p:nvPr/>
-        </p:nvSpPr>
-        <p:spPr>
-          <a:xfrm>
-            <a:off x="965575" y="3863931"/>
-            <a:ext cx="4749433" cy="537460"/>
-          </a:xfrm>
-          <a:prstGeom prst="rect">
-            <a:avLst/>
-          </a:prstGeom>
-        </p:spPr>
-        <p:txBody>
-          <a:bodyPr vert="horz" lIns="91440" tIns="45720" rIns="91440" bIns="45720" rtlCol="0">
-            <a:noAutofit/>
-          </a:bodyPr>
-          <a:lstStyle/>
-          <a:p>
-            <a:pPr marL="0" marR="0" lvl="0" indent="0" algn="ctr" defTabSz="914400" rtl="0" eaLnBrk="1" fontAlgn="auto" latinLnBrk="0" hangingPunct="1">
-              <a:lnSpc>
-                <a:spcPct val="100000"/>
-              </a:lnSpc>
-              <a:spcBef>
-                <a:spcPct val="20000"/>
-              </a:spcBef>
-              <a:spcAft>
-                <a:spcPts val="0"/>
-              </a:spcAft>
-              <a:buClrTx/>
-              <a:buSzTx/>
-              <a:buFont typeface="Arial" pitchFamily="34" charset="0"/>
-              <a:buNone/>
-              <a:tabLst/>
-              <a:defRPr/>
-            </a:pPr>
-            <a:r>
-              <a:rPr kumimoji="0" lang="en-US" sz="2800" b="1" i="0" u="none" strike="noStrike" kern="1200" cap="none" spc="0" normalizeH="0" baseline="0" noProof="0" dirty="0" smtClean="0">
-                <a:ln>
-                  <a:noFill/>
-                </a:ln>
-                <a:solidFill>
-                  <a:schemeClr val="tx1"/>
-                </a:solidFill>
-                <a:effectLst/>
-                <a:uLnTx/>
-                <a:uFillTx/>
-                <a:latin typeface="Times New Roman"/>
-                <a:ea typeface="+mn-ea"/>
-                <a:cs typeface="Times New Roman"/>
-              </a:rPr>
-              <a:t>Group name:  </a:t>
-            </a:r>
-            <a:r>
-              <a:rPr kumimoji="0" lang="en-US" sz="2800" b="1" i="1" u="none" strike="noStrike" kern="1200" cap="none" spc="0" normalizeH="0" baseline="0" noProof="0" dirty="0" smtClean="0">
-                <a:ln>
-                  <a:noFill/>
-                </a:ln>
-                <a:solidFill>
-                  <a:schemeClr val="tx1"/>
-                </a:solidFill>
-                <a:effectLst/>
-                <a:uLnTx/>
-                <a:uFillTx/>
-                <a:latin typeface="Times New Roman" pitchFamily="18" charset="0"/>
-                <a:ea typeface="+mn-ea"/>
-                <a:cs typeface="Times New Roman" pitchFamily="18" charset="0"/>
-              </a:rPr>
-              <a:t>The Voice</a:t>
-            </a:r>
-          </a:p>
-        </p:txBody>
-      </p:sp>
-      <p:sp>
-        <p:nvSpPr>
-          <p:cNvPr id="12" name="Rectangle 3"/>
-          <p:cNvSpPr/>
-          <p:nvPr/>
-        </p:nvSpPr>
-        <p:spPr>
-          <a:xfrm>
-            <a:off x="491347" y="4394554"/>
-            <a:ext cx="8052621" cy="830997"/>
-          </a:xfrm>
-          <a:prstGeom prst="rect">
-            <a:avLst/>
-          </a:prstGeom>
-        </p:spPr>
-        <p:txBody>
-          <a:bodyPr wrap="square">
-            <a:spAutoFit/>
-          </a:bodyPr>
-          <a:lstStyle/>
-          <a:p>
-            <a:pPr algn="ctr"/>
-            <a:r>
-              <a:rPr lang="en-US" sz="2400" b="1" dirty="0">
-                <a:latin typeface="Times New Roman" pitchFamily="18" charset="0"/>
-                <a:cs typeface="Times New Roman" pitchFamily="18" charset="0"/>
-              </a:rPr>
-              <a:t>Group </a:t>
-            </a:r>
-            <a:r>
-              <a:rPr lang="en-US" sz="2400" b="1" dirty="0" smtClean="0">
-                <a:latin typeface="Times New Roman" pitchFamily="18" charset="0"/>
-                <a:cs typeface="Times New Roman" pitchFamily="18" charset="0"/>
-              </a:rPr>
-              <a:t>member: </a:t>
-            </a:r>
-            <a:r>
-              <a:rPr lang="en-US" sz="2400" dirty="0" err="1" smtClean="0">
-                <a:latin typeface="Times New Roman" pitchFamily="18" charset="0"/>
-                <a:cs typeface="Times New Roman" pitchFamily="18" charset="0"/>
-              </a:rPr>
-              <a:t>Junxiang</a:t>
-            </a:r>
-            <a:r>
-              <a:rPr lang="en-US" sz="2400" dirty="0" smtClean="0">
-                <a:latin typeface="Times New Roman" pitchFamily="18" charset="0"/>
-                <a:cs typeface="Times New Roman" pitchFamily="18" charset="0"/>
-              </a:rPr>
-              <a:t> Wu , Ping Lang, </a:t>
-            </a:r>
-          </a:p>
-          <a:p>
-            <a:pPr algn="ctr"/>
-            <a:r>
-              <a:rPr lang="en-US" sz="2400" dirty="0" smtClean="0">
-                <a:latin typeface="Times New Roman" pitchFamily="18" charset="0"/>
-                <a:cs typeface="Times New Roman" pitchFamily="18" charset="0"/>
-              </a:rPr>
-              <a:t>                         </a:t>
-            </a:r>
-            <a:r>
-              <a:rPr lang="en-US" sz="2400" dirty="0" err="1" smtClean="0">
-                <a:latin typeface="Times New Roman" pitchFamily="18" charset="0"/>
-                <a:cs typeface="Times New Roman" pitchFamily="18" charset="0"/>
-              </a:rPr>
-              <a:t>Yuanjun</a:t>
-            </a:r>
-            <a:r>
-              <a:rPr lang="en-US" sz="2400" dirty="0" smtClean="0">
-                <a:latin typeface="Times New Roman" pitchFamily="18" charset="0"/>
-                <a:cs typeface="Times New Roman" pitchFamily="18" charset="0"/>
-              </a:rPr>
-              <a:t> Dai, Cheng</a:t>
-            </a:r>
-            <a:r>
-              <a:rPr lang="en-US" sz="2400" dirty="0">
-                <a:latin typeface="Times New Roman" pitchFamily="18" charset="0"/>
-                <a:cs typeface="Times New Roman" pitchFamily="18" charset="0"/>
-              </a:rPr>
-              <a:t>-</a:t>
-            </a:r>
-            <a:r>
-              <a:rPr lang="en-US" sz="2400" dirty="0" err="1">
-                <a:latin typeface="Times New Roman" pitchFamily="18" charset="0"/>
-                <a:cs typeface="Times New Roman" pitchFamily="18" charset="0"/>
-              </a:rPr>
-              <a:t>jui</a:t>
-            </a:r>
-            <a:r>
-              <a:rPr lang="en-US" sz="2400" dirty="0">
-                <a:latin typeface="Times New Roman" pitchFamily="18" charset="0"/>
-                <a:cs typeface="Times New Roman" pitchFamily="18" charset="0"/>
-              </a:rPr>
-              <a:t> </a:t>
-            </a:r>
-            <a:r>
-              <a:rPr lang="en-US" sz="2400" dirty="0" smtClean="0">
-                <a:latin typeface="Times New Roman" pitchFamily="18" charset="0"/>
-                <a:cs typeface="Times New Roman" pitchFamily="18" charset="0"/>
-              </a:rPr>
-              <a:t> </a:t>
-            </a:r>
-            <a:r>
-              <a:rPr lang="en-US" sz="2400" dirty="0" err="1" smtClean="0">
-                <a:latin typeface="Times New Roman" pitchFamily="18" charset="0"/>
-                <a:cs typeface="Times New Roman" pitchFamily="18" charset="0"/>
-              </a:rPr>
-              <a:t>Tu</a:t>
-            </a:r>
-            <a:r>
-              <a:rPr lang="en-US" sz="2400" dirty="0" smtClean="0">
-                <a:latin typeface="Times New Roman" pitchFamily="18" charset="0"/>
-                <a:cs typeface="Times New Roman" pitchFamily="18" charset="0"/>
-              </a:rPr>
-              <a:t>, </a:t>
-            </a:r>
-            <a:r>
-              <a:rPr lang="en-US" sz="2400" dirty="0" err="1" smtClean="0">
-                <a:latin typeface="Times New Roman" pitchFamily="18" charset="0"/>
-                <a:cs typeface="Times New Roman" pitchFamily="18" charset="0"/>
-              </a:rPr>
-              <a:t>Zheng</a:t>
-            </a:r>
-            <a:r>
-              <a:rPr lang="en-US" sz="2400" dirty="0" smtClean="0">
-                <a:latin typeface="Times New Roman" pitchFamily="18" charset="0"/>
-                <a:cs typeface="Times New Roman" pitchFamily="18" charset="0"/>
-              </a:rPr>
-              <a:t> </a:t>
-            </a:r>
-            <a:r>
-              <a:rPr lang="en-US" sz="2400" dirty="0" smtClean="0">
-                <a:latin typeface="Times New Roman" pitchFamily="18" charset="0"/>
-                <a:cs typeface="Times New Roman" pitchFamily="18" charset="0"/>
-              </a:rPr>
-              <a:t>Liu</a:t>
-            </a:r>
-            <a:endParaRPr lang="en-US" sz="2400" dirty="0">
-              <a:latin typeface="Times New Roman" pitchFamily="18" charset="0"/>
-              <a:cs typeface="Times New Roman" pitchFamily="18" charset="0"/>
-            </a:endParaRPr>
-          </a:p>
-        </p:txBody>
-      </p:sp>
-      <p:sp>
-        <p:nvSpPr>
-          <p:cNvPr id="2" name="TextBox 1"/>
-          <p:cNvSpPr txBox="1"/>
-          <p:nvPr/>
-        </p:nvSpPr>
-        <p:spPr>
-          <a:xfrm>
-            <a:off x="965575" y="5517232"/>
-            <a:ext cx="5406625" cy="369332"/>
-          </a:xfrm>
-          <a:prstGeom prst="rect">
-            <a:avLst/>
-          </a:prstGeom>
-          <a:noFill/>
-        </p:spPr>
-        <p:txBody>
-          <a:bodyPr wrap="square" rtlCol="0">
-            <a:spAutoFit/>
-          </a:bodyPr>
-          <a:lstStyle/>
-          <a:p>
-            <a:r>
-              <a:rPr lang="en-US" b="1" dirty="0" smtClean="0"/>
-              <a:t>Archive Route: zhl65\Desktop\VLSI2_16bit_mips.zip</a:t>
-            </a:r>
-            <a:endParaRPr lang="en-US" b="1" dirty="0"/>
-          </a:p>
-        </p:txBody>
-      </p:sp>
     </p:spTree>
-    <p:extLst>
-      <p:ext uri="{BB962C8B-B14F-4D97-AF65-F5344CB8AC3E}">
-        <p14:creationId xmlns:p14="http://schemas.microsoft.com/office/powerpoint/2010/main" val="2139663982"/>
-      </p:ext>
-    </p:extLst>
   </p:cSld>
   <p:clrMapOvr>
     <a:masterClrMapping/>
@@ -6419,8 +5963,6 @@
           <a:p>
             <a:fld id="{B6F15528-21DE-4FAA-801E-634DDDAF4B2B}" type="slidenum">
               <a:rPr lang="en-US" smtClean="0"/>
-              <a:pPr/>
-              <a:t>10</a:t>
             </a:fld>
             <a:endParaRPr lang="en-US"/>
           </a:p>
@@ -6479,7 +6021,7 @@
           <a:lstStyle/>
           <a:p>
             <a:pPr marL="285750" indent="-285750">
-              <a:buFont typeface="Wingdings" pitchFamily="2" charset="2"/>
+              <a:buFont typeface="Wingdings" panose="05000000000000000000" pitchFamily="2" charset="2"/>
               <a:buChar char="v"/>
             </a:pPr>
             <a:r>
@@ -6513,7 +6055,7 @@
           <p:nvPr/>
         </p:nvPicPr>
         <p:blipFill>
-          <a:blip r:embed="rId3" cstate="print"/>
+          <a:blip r:embed="rId1" cstate="print"/>
           <a:stretch>
             <a:fillRect/>
           </a:stretch>
@@ -6692,11 +6234,6 @@
         </p:txBody>
       </p:sp>
     </p:spTree>
-    <p:extLst>
-      <p:ext uri="{BB962C8B-B14F-4D97-AF65-F5344CB8AC3E}">
-        <p14:creationId xmlns:p14="http://schemas.microsoft.com/office/powerpoint/2010/main" val="1500036595"/>
-      </p:ext>
-    </p:extLst>
   </p:cSld>
   <p:clrMapOvr>
     <a:masterClrMapping/>
@@ -6783,8 +6320,6 @@
           <a:p>
             <a:fld id="{B6F15528-21DE-4FAA-801E-634DDDAF4B2B}" type="slidenum">
               <a:rPr lang="en-US" smtClean="0"/>
-              <a:pPr/>
-              <a:t>11</a:t>
             </a:fld>
             <a:endParaRPr lang="en-US"/>
           </a:p>
@@ -6843,7 +6378,7 @@
           <a:lstStyle/>
           <a:p>
             <a:pPr marL="285750" indent="-285750">
-              <a:buFont typeface="Wingdings" pitchFamily="2" charset="2"/>
+              <a:buFont typeface="Wingdings" panose="05000000000000000000" pitchFamily="2" charset="2"/>
               <a:buChar char="v"/>
             </a:pPr>
             <a:r>
@@ -6877,7 +6412,7 @@
           <p:nvPr/>
         </p:nvPicPr>
         <p:blipFill>
-          <a:blip r:embed="rId3"/>
+          <a:blip r:embed="rId1"/>
           <a:srcRect l="6817" t="16898" r="13666" b="15511"/>
           <a:stretch>
             <a:fillRect/>
@@ -7057,11 +6592,6 @@
         </p:txBody>
       </p:sp>
     </p:spTree>
-    <p:extLst>
-      <p:ext uri="{BB962C8B-B14F-4D97-AF65-F5344CB8AC3E}">
-        <p14:creationId xmlns:p14="http://schemas.microsoft.com/office/powerpoint/2010/main" val="1500036595"/>
-      </p:ext>
-    </p:extLst>
   </p:cSld>
   <p:clrMapOvr>
     <a:masterClrMapping/>
@@ -7148,8 +6678,6 @@
           <a:p>
             <a:fld id="{B6F15528-21DE-4FAA-801E-634DDDAF4B2B}" type="slidenum">
               <a:rPr lang="en-US" smtClean="0"/>
-              <a:pPr/>
-              <a:t>12</a:t>
             </a:fld>
             <a:endParaRPr lang="en-US"/>
           </a:p>
@@ -7208,7 +6736,7 @@
           <a:lstStyle/>
           <a:p>
             <a:pPr marL="285750" indent="-285750">
-              <a:buFont typeface="Wingdings" pitchFamily="2" charset="2"/>
+              <a:buFont typeface="Wingdings" panose="05000000000000000000" pitchFamily="2" charset="2"/>
               <a:buChar char="v"/>
             </a:pPr>
             <a:r>
@@ -7264,6 +6792,7 @@
               <a:rPr lang="en-US" altLang="zh-CN" sz="3600" dirty="0" smtClean="0"/>
               <a:t>*Assembly file</a:t>
             </a:r>
+            <a:endParaRPr lang="en-US" altLang="zh-CN" sz="3600" dirty="0" smtClean="0"/>
           </a:p>
           <a:p>
             <a:pPr>
@@ -7279,6 +6808,7 @@
               <a:rPr lang="en-US" altLang="zh-CN" sz="3600" dirty="0" smtClean="0"/>
               <a:t> R0, R1, 7</a:t>
             </a:r>
+            <a:endParaRPr lang="en-US" altLang="zh-CN" sz="3600" dirty="0" smtClean="0"/>
           </a:p>
           <a:p>
             <a:pPr>
@@ -7690,7 +7220,6 @@
               </a:path>
             </a:pathLst>
           </a:custGeom>
-          <a:ln/>
         </p:spPr>
         <p:style>
           <a:lnRef idx="2">
@@ -8151,12 +7680,14 @@
               <a:rPr lang="en-US" altLang="zh-CN" sz="2800" dirty="0" smtClean="0"/>
               <a:t>Solution:</a:t>
             </a:r>
+            <a:endParaRPr lang="en-US" altLang="zh-CN" sz="2800" dirty="0" smtClean="0"/>
           </a:p>
           <a:p>
             <a:r>
               <a:rPr lang="en-US" altLang="zh-CN" sz="2800" dirty="0" smtClean="0"/>
               <a:t>	1.  bubble:</a:t>
             </a:r>
+            <a:endParaRPr lang="en-US" altLang="zh-CN" sz="2800" dirty="0" smtClean="0"/>
           </a:p>
           <a:p>
             <a:r>
@@ -8171,24 +7702,28 @@
               <a:rPr lang="en-US" altLang="zh-CN" sz="2800" dirty="0" smtClean="0"/>
               <a:t> R0, R1, 7</a:t>
             </a:r>
+            <a:endParaRPr lang="en-US" altLang="zh-CN" sz="2800" dirty="0" smtClean="0"/>
           </a:p>
           <a:p>
             <a:r>
               <a:rPr lang="en-US" altLang="zh-CN" sz="2800" dirty="0" smtClean="0"/>
               <a:t>		Halt</a:t>
             </a:r>
+            <a:endParaRPr lang="en-US" altLang="zh-CN" sz="2800" dirty="0" smtClean="0"/>
           </a:p>
           <a:p>
             <a:r>
               <a:rPr lang="en-US" altLang="zh-CN" sz="2800" dirty="0" smtClean="0"/>
               <a:t>		Halt</a:t>
             </a:r>
+            <a:endParaRPr lang="en-US" altLang="zh-CN" sz="2800" dirty="0" smtClean="0"/>
           </a:p>
           <a:p>
             <a:r>
               <a:rPr lang="en-US" altLang="zh-CN" sz="2800" dirty="0" smtClean="0"/>
               <a:t>		Add R1, R2, R0</a:t>
             </a:r>
+            <a:endParaRPr lang="en-US" altLang="zh-CN" sz="2800" dirty="0" smtClean="0"/>
           </a:p>
           <a:p>
             <a:endParaRPr lang="en-US" altLang="zh-CN" sz="2800" dirty="0" smtClean="0"/>
@@ -8203,11 +7738,6 @@
         </p:txBody>
       </p:sp>
     </p:spTree>
-    <p:extLst>
-      <p:ext uri="{BB962C8B-B14F-4D97-AF65-F5344CB8AC3E}">
-        <p14:creationId xmlns:p14="http://schemas.microsoft.com/office/powerpoint/2010/main" val="1500036595"/>
-      </p:ext>
-    </p:extLst>
   </p:cSld>
   <p:clrMapOvr>
     <a:masterClrMapping/>
@@ -8256,8 +7786,6 @@
           <a:p>
             <a:fld id="{B6F15528-21DE-4FAA-801E-634DDDAF4B2B}" type="slidenum">
               <a:rPr lang="en-US" smtClean="0"/>
-              <a:pPr/>
-              <a:t>13</a:t>
             </a:fld>
             <a:endParaRPr lang="en-US"/>
           </a:p>
@@ -8316,7 +7844,7 @@
           <a:lstStyle/>
           <a:p>
             <a:pPr marL="285750" indent="-285750">
-              <a:buFont typeface="Wingdings" pitchFamily="2" charset="2"/>
+              <a:buFont typeface="Wingdings" panose="05000000000000000000" pitchFamily="2" charset="2"/>
               <a:buChar char="v"/>
             </a:pPr>
             <a:r>
@@ -8366,6 +7894,7 @@
               <a:rPr lang="en-US" sz="2700" dirty="0" smtClean="0"/>
               <a:t>Forwarding</a:t>
             </a:r>
+            <a:endParaRPr lang="en-US" sz="2700" dirty="0" smtClean="0"/>
           </a:p>
         </p:txBody>
       </p:sp>
@@ -8378,7 +7907,7 @@
           <p:nvPr/>
         </p:nvPicPr>
         <p:blipFill>
-          <a:blip r:embed="rId3"/>
+          <a:blip r:embed="rId1"/>
           <a:srcRect l="20002" t="14298" r="43298" b="6412"/>
           <a:stretch>
             <a:fillRect/>
@@ -8396,11 +7925,6 @@
         </p:spPr>
       </p:pic>
     </p:spTree>
-    <p:extLst>
-      <p:ext uri="{BB962C8B-B14F-4D97-AF65-F5344CB8AC3E}">
-        <p14:creationId xmlns:p14="http://schemas.microsoft.com/office/powerpoint/2010/main" val="2434434579"/>
-      </p:ext>
-    </p:extLst>
   </p:cSld>
   <p:clrMapOvr>
     <a:masterClrMapping/>
@@ -8449,8 +7973,6 @@
           <a:p>
             <a:fld id="{B6F15528-21DE-4FAA-801E-634DDDAF4B2B}" type="slidenum">
               <a:rPr lang="en-US" smtClean="0"/>
-              <a:pPr/>
-              <a:t>14</a:t>
             </a:fld>
             <a:endParaRPr lang="en-US"/>
           </a:p>
@@ -8509,7 +8031,7 @@
           <a:lstStyle/>
           <a:p>
             <a:pPr marL="285750" indent="-285750">
-              <a:buFont typeface="Wingdings" pitchFamily="2" charset="2"/>
+              <a:buFont typeface="Wingdings" panose="05000000000000000000" pitchFamily="2" charset="2"/>
               <a:buChar char="v"/>
             </a:pPr>
             <a:r>
@@ -8559,6 +8081,7 @@
               <a:rPr lang="en-US" sz="2700" dirty="0" smtClean="0"/>
               <a:t>Forwarding</a:t>
             </a:r>
+            <a:endParaRPr lang="en-US" sz="2700" dirty="0" smtClean="0"/>
           </a:p>
         </p:txBody>
       </p:sp>
@@ -8646,6 +8169,7 @@
               <a:rPr lang="en-US" altLang="zh-CN" sz="1600" dirty="0" smtClean="0"/>
               <a:t>))ELSE               </a:t>
             </a:r>
+            <a:endParaRPr lang="en-US" altLang="zh-CN" sz="1600" dirty="0" smtClean="0"/>
           </a:p>
           <a:p>
             <a:r>
@@ -8692,12 +8216,14 @@
               <a:rPr lang="en-US" altLang="zh-CN" sz="1600" dirty="0" smtClean="0"/>
               <a:t>)))ELSE               </a:t>
             </a:r>
+            <a:endParaRPr lang="en-US" altLang="zh-CN" sz="1600" dirty="0" smtClean="0"/>
           </a:p>
           <a:p>
             <a:r>
               <a:rPr lang="en-US" altLang="zh-CN" sz="1600" dirty="0" smtClean="0"/>
               <a:t>		 "00";              </a:t>
             </a:r>
+            <a:endParaRPr lang="en-US" altLang="zh-CN" sz="1600" dirty="0" smtClean="0"/>
           </a:p>
           <a:p>
             <a:r>
@@ -8772,6 +8298,7 @@
               <a:rPr lang="en-US" altLang="zh-CN" sz="1600" dirty="0" smtClean="0"/>
               <a:t>)))ELSE                </a:t>
             </a:r>
+            <a:endParaRPr lang="en-US" altLang="zh-CN" sz="1600" dirty="0" smtClean="0"/>
           </a:p>
           <a:p>
             <a:r>
@@ -9090,11 +8617,6 @@
         </a:graphic>
       </p:graphicFrame>
     </p:spTree>
-    <p:extLst>
-      <p:ext uri="{BB962C8B-B14F-4D97-AF65-F5344CB8AC3E}">
-        <p14:creationId xmlns:p14="http://schemas.microsoft.com/office/powerpoint/2010/main" val="2434434579"/>
-      </p:ext>
-    </p:extLst>
   </p:cSld>
   <p:clrMapOvr>
     <a:masterClrMapping/>
@@ -9173,8 +8695,6 @@
           <a:p>
             <a:fld id="{B6F15528-21DE-4FAA-801E-634DDDAF4B2B}" type="slidenum">
               <a:rPr lang="en-US" smtClean="0"/>
-              <a:pPr/>
-              <a:t>15</a:t>
             </a:fld>
             <a:endParaRPr lang="en-US"/>
           </a:p>
@@ -9233,7 +8753,7 @@
           <a:lstStyle/>
           <a:p>
             <a:pPr marL="285750" indent="-285750">
-              <a:buFont typeface="Wingdings" pitchFamily="2" charset="2"/>
+              <a:buFont typeface="Wingdings" panose="05000000000000000000" pitchFamily="2" charset="2"/>
               <a:buChar char="v"/>
             </a:pPr>
             <a:r>
@@ -9289,6 +8809,7 @@
               <a:rPr lang="en-US" altLang="zh-CN" sz="3600" dirty="0" smtClean="0"/>
               <a:t>*Assembly file</a:t>
             </a:r>
+            <a:endParaRPr lang="en-US" altLang="zh-CN" sz="3600" dirty="0" smtClean="0"/>
           </a:p>
           <a:p>
             <a:pPr>
@@ -9300,6 +8821,7 @@
               <a:rPr lang="en-US" altLang="zh-CN" sz="3600" dirty="0" smtClean="0"/>
               <a:t>LW R0, R1, 7</a:t>
             </a:r>
+            <a:endParaRPr lang="en-US" altLang="zh-CN" sz="3600" dirty="0" smtClean="0"/>
           </a:p>
           <a:p>
             <a:pPr>
@@ -9711,7 +9233,6 @@
               </a:path>
             </a:pathLst>
           </a:custGeom>
-          <a:ln/>
         </p:spPr>
         <p:style>
           <a:lnRef idx="2">
@@ -10172,6 +9693,7 @@
               <a:rPr lang="en-US" altLang="zh-CN" sz="2800" dirty="0" smtClean="0"/>
               <a:t>Solution: add bubble</a:t>
             </a:r>
+            <a:endParaRPr lang="en-US" altLang="zh-CN" sz="2800" dirty="0" smtClean="0"/>
           </a:p>
           <a:p>
             <a:pPr marL="514350" indent="-514350"/>
@@ -10179,30 +9701,33 @@
               <a:rPr lang="en-US" altLang="zh-CN" sz="2800" dirty="0" smtClean="0"/>
               <a:t>1.Software</a:t>
             </a:r>
+            <a:endParaRPr lang="en-US" altLang="zh-CN" sz="2800" dirty="0" smtClean="0"/>
           </a:p>
           <a:p>
             <a:pPr marL="971550" lvl="1" indent="-514350">
-              <a:buFont typeface="Arial" pitchFamily="34" charset="0"/>
+              <a:buFont typeface="Arial" panose="02080604020202020204" pitchFamily="34" charset="0"/>
               <a:buChar char="•"/>
             </a:pPr>
             <a:r>
               <a:rPr lang="en-US" altLang="zh-CN" sz="2800" dirty="0" smtClean="0"/>
               <a:t>Convenient</a:t>
             </a:r>
+            <a:endParaRPr lang="en-US" altLang="zh-CN" sz="2800" dirty="0" smtClean="0"/>
           </a:p>
           <a:p>
             <a:pPr marL="971550" lvl="1" indent="-514350">
-              <a:buFont typeface="Arial" pitchFamily="34" charset="0"/>
+              <a:buFont typeface="Arial" panose="02080604020202020204" pitchFamily="34" charset="0"/>
               <a:buChar char="•"/>
             </a:pPr>
             <a:r>
               <a:rPr lang="en-US" altLang="zh-CN" sz="2800" dirty="0" smtClean="0"/>
               <a:t>disturbing branch and jump!</a:t>
             </a:r>
+            <a:endParaRPr lang="en-US" altLang="zh-CN" sz="2800" dirty="0" smtClean="0"/>
           </a:p>
           <a:p>
             <a:pPr>
-              <a:buFont typeface="Arial" pitchFamily="34" charset="0"/>
+              <a:buFont typeface="Arial" panose="02080604020202020204" pitchFamily="34" charset="0"/>
               <a:buChar char="•"/>
             </a:pPr>
             <a:endParaRPr lang="en-US" altLang="zh-CN" sz="2800" dirty="0" smtClean="0"/>
@@ -10212,15 +9737,11 @@
               <a:rPr lang="en-US" altLang="zh-CN" sz="2800" dirty="0" smtClean="0"/>
               <a:t>2. Hardware</a:t>
             </a:r>
+            <a:endParaRPr lang="en-US" altLang="zh-CN" sz="2800" dirty="0" smtClean="0"/>
           </a:p>
         </p:txBody>
       </p:sp>
     </p:spTree>
-    <p:extLst>
-      <p:ext uri="{BB962C8B-B14F-4D97-AF65-F5344CB8AC3E}">
-        <p14:creationId xmlns:p14="http://schemas.microsoft.com/office/powerpoint/2010/main" val="1500036595"/>
-      </p:ext>
-    </p:extLst>
   </p:cSld>
   <p:clrMapOvr>
     <a:masterClrMapping/>
@@ -10299,8 +9820,6 @@
           <a:p>
             <a:fld id="{B6F15528-21DE-4FAA-801E-634DDDAF4B2B}" type="slidenum">
               <a:rPr lang="en-US" smtClean="0"/>
-              <a:pPr/>
-              <a:t>16</a:t>
             </a:fld>
             <a:endParaRPr lang="en-US"/>
           </a:p>
@@ -10359,7 +9878,7 @@
           <a:lstStyle/>
           <a:p>
             <a:pPr marL="285750" indent="-285750">
-              <a:buFont typeface="Wingdings" pitchFamily="2" charset="2"/>
+              <a:buFont typeface="Wingdings" panose="05000000000000000000" pitchFamily="2" charset="2"/>
               <a:buChar char="v"/>
             </a:pPr>
             <a:r>
@@ -10393,7 +9912,7 @@
           <p:nvPr/>
         </p:nvPicPr>
         <p:blipFill>
-          <a:blip r:embed="rId3"/>
+          <a:blip r:embed="rId1"/>
           <a:srcRect l="-1015" t="26256" r="29318" b="35399"/>
           <a:stretch>
             <a:fillRect/>
@@ -10436,6 +9955,7 @@
               <a:rPr lang="nn-NO" altLang="zh-CN" dirty="0" smtClean="0"/>
               <a:t>bubble&lt;= '1'when ((I_E_MemRead ='1') and ((I_E_RegisterRt = I_I_RegisterRs) 	or 		(I_E_RegisterRt = I_I_RegisterRt)))else          </a:t>
             </a:r>
+            <a:endParaRPr lang="nn-NO" altLang="zh-CN" dirty="0" smtClean="0"/>
           </a:p>
           <a:p>
             <a:r>
@@ -10507,11 +10027,6 @@
         </p:txBody>
       </p:sp>
     </p:spTree>
-    <p:extLst>
-      <p:ext uri="{BB962C8B-B14F-4D97-AF65-F5344CB8AC3E}">
-        <p14:creationId xmlns:p14="http://schemas.microsoft.com/office/powerpoint/2010/main" val="1500036595"/>
-      </p:ext>
-    </p:extLst>
   </p:cSld>
   <p:clrMapOvr>
     <a:masterClrMapping/>
@@ -10560,8 +10075,6 @@
           <a:p>
             <a:fld id="{B6F15528-21DE-4FAA-801E-634DDDAF4B2B}" type="slidenum">
               <a:rPr lang="en-US" smtClean="0"/>
-              <a:pPr/>
-              <a:t>17</a:t>
             </a:fld>
             <a:endParaRPr lang="en-US"/>
           </a:p>
@@ -10620,7 +10133,7 @@
           <a:lstStyle/>
           <a:p>
             <a:pPr marL="285750" indent="-285750">
-              <a:buFont typeface="Wingdings" pitchFamily="2" charset="2"/>
+              <a:buFont typeface="Wingdings" panose="05000000000000000000" pitchFamily="2" charset="2"/>
               <a:buChar char="v"/>
             </a:pPr>
             <a:r>
@@ -10683,7 +10196,7 @@
           <p:nvPr/>
         </p:nvPicPr>
         <p:blipFill>
-          <a:blip r:embed="rId3">
+          <a:blip r:embed="rId1">
             <a:extLst>
               <a:ext uri="{28A0092B-C50C-407E-A947-70E740481C1C}">
                 <a14:useLocalDpi xmlns:a14="http://schemas.microsoft.com/office/drawing/2010/main" val="0"/>
@@ -10750,11 +10263,6 @@
         </p:txBody>
       </p:sp>
     </p:spTree>
-    <p:extLst>
-      <p:ext uri="{BB962C8B-B14F-4D97-AF65-F5344CB8AC3E}">
-        <p14:creationId xmlns:p14="http://schemas.microsoft.com/office/powerpoint/2010/main" val="518597449"/>
-      </p:ext>
-    </p:extLst>
   </p:cSld>
   <p:clrMapOvr>
     <a:masterClrMapping/>
@@ -10808,8 +10316,6 @@
           <a:p>
             <a:fld id="{B6F15528-21DE-4FAA-801E-634DDDAF4B2B}" type="slidenum">
               <a:rPr lang="en-US" smtClean="0"/>
-              <a:pPr/>
-              <a:t>18</a:t>
             </a:fld>
             <a:endParaRPr lang="en-US" dirty="0"/>
           </a:p>
@@ -10868,7 +10374,7 @@
           <a:lstStyle/>
           <a:p>
             <a:pPr marL="285750" indent="-285750">
-              <a:buFont typeface="Wingdings" pitchFamily="2" charset="2"/>
+              <a:buFont typeface="Wingdings" panose="05000000000000000000" pitchFamily="2" charset="2"/>
               <a:buChar char="v"/>
             </a:pPr>
             <a:r>
@@ -10931,6 +10437,7 @@
               <a:rPr lang="en-US" sz="2800" b="0" dirty="0" smtClean="0"/>
               <a:t>?</a:t>
             </a:r>
+            <a:endParaRPr lang="en-US" sz="2800" b="0" dirty="0" smtClean="0"/>
           </a:p>
           <a:p>
             <a:r>
@@ -10941,6 +10448,7 @@
               <a:rPr lang="en-US" sz="2800" b="0" dirty="0" smtClean="0"/>
               <a:t>Using test bench</a:t>
             </a:r>
+            <a:endParaRPr lang="en-US" sz="2800" b="0" dirty="0" smtClean="0"/>
           </a:p>
           <a:p>
             <a:endParaRPr lang="en-US" sz="2800" dirty="0"/>
@@ -10976,7 +10484,7 @@
           <p:nvPr/>
         </p:nvPicPr>
         <p:blipFill>
-          <a:blip r:embed="rId3"/>
+          <a:blip r:embed="rId1"/>
           <a:srcRect l="11438" t="29896" r="20337" b="19410"/>
           <a:stretch>
             <a:fillRect/>
@@ -10994,11 +10502,6 @@
         </p:spPr>
       </p:pic>
     </p:spTree>
-    <p:extLst>
-      <p:ext uri="{BB962C8B-B14F-4D97-AF65-F5344CB8AC3E}">
-        <p14:creationId xmlns:p14="http://schemas.microsoft.com/office/powerpoint/2010/main" val="1266810448"/>
-      </p:ext>
-    </p:extLst>
   </p:cSld>
   <p:clrMapOvr>
     <a:masterClrMapping/>
@@ -11047,8 +10550,6 @@
           <a:p>
             <a:fld id="{B6F15528-21DE-4FAA-801E-634DDDAF4B2B}" type="slidenum">
               <a:rPr lang="en-US" smtClean="0"/>
-              <a:pPr/>
-              <a:t>19</a:t>
             </a:fld>
             <a:endParaRPr lang="en-US"/>
           </a:p>
@@ -11107,7 +10608,7 @@
           <a:lstStyle/>
           <a:p>
             <a:pPr marL="285750" indent="-285750">
-              <a:buFont typeface="Wingdings" pitchFamily="2" charset="2"/>
+              <a:buFont typeface="Wingdings" panose="05000000000000000000" pitchFamily="2" charset="2"/>
               <a:buChar char="v"/>
             </a:pPr>
             <a:r>
@@ -11170,7 +10671,7 @@
           <p:nvPr/>
         </p:nvPicPr>
         <p:blipFill>
-          <a:blip r:embed="rId3"/>
+          <a:blip r:embed="rId1"/>
           <a:srcRect l="22989" t="13750" b="23125"/>
           <a:stretch>
             <a:fillRect/>
@@ -11445,11 +10946,6 @@
         </p:txBody>
       </p:sp>
     </p:spTree>
-    <p:extLst>
-      <p:ext uri="{BB962C8B-B14F-4D97-AF65-F5344CB8AC3E}">
-        <p14:creationId xmlns:p14="http://schemas.microsoft.com/office/powerpoint/2010/main" val="3802580547"/>
-      </p:ext>
-    </p:extLst>
   </p:cSld>
   <p:clrMapOvr>
     <a:masterClrMapping/>
@@ -11534,7 +11030,7 @@
           <a:lstStyle/>
           <a:p>
             <a:pPr marL="285750" indent="-285750">
-              <a:buFont typeface="Wingdings" pitchFamily="2" charset="2"/>
+              <a:buFont typeface="Wingdings" panose="05000000000000000000" pitchFamily="2" charset="2"/>
               <a:buChar char="v"/>
             </a:pPr>
             <a:r>
@@ -11576,8 +11072,6 @@
           <a:p>
             <a:fld id="{B6F15528-21DE-4FAA-801E-634DDDAF4B2B}" type="slidenum">
               <a:rPr lang="en-US" smtClean="0"/>
-              <a:pPr/>
-              <a:t>2</a:t>
             </a:fld>
             <a:endParaRPr lang="en-US" dirty="0"/>
           </a:p>
@@ -11589,13 +11083,7 @@
           <p:cNvGraphicFramePr>
             <a:graphicFrameLocks noGrp="1"/>
           </p:cNvGraphicFramePr>
-          <p:nvPr>
-            <p:extLst>
-              <p:ext uri="{D42A27DB-BD31-4B8C-83A1-F6EECF244321}">
-                <p14:modId xmlns:p14="http://schemas.microsoft.com/office/powerpoint/2010/main" val="3617809217"/>
-              </p:ext>
-            </p:extLst>
-          </p:nvPr>
+          <p:nvPr/>
         </p:nvGraphicFramePr>
         <p:xfrm>
           <a:off x="1524000" y="2060848"/>
@@ -12035,11 +11523,6 @@
         </p:txBody>
       </p:sp>
     </p:spTree>
-    <p:extLst>
-      <p:ext uri="{BB962C8B-B14F-4D97-AF65-F5344CB8AC3E}">
-        <p14:creationId xmlns:p14="http://schemas.microsoft.com/office/powerpoint/2010/main" val="1326312688"/>
-      </p:ext>
-    </p:extLst>
   </p:cSld>
   <p:clrMapOvr>
     <a:masterClrMapping/>
@@ -12088,8 +11571,6 @@
           <a:p>
             <a:fld id="{B6F15528-21DE-4FAA-801E-634DDDAF4B2B}" type="slidenum">
               <a:rPr lang="en-US" smtClean="0"/>
-              <a:pPr/>
-              <a:t>20</a:t>
             </a:fld>
             <a:endParaRPr lang="en-US"/>
           </a:p>
@@ -12148,7 +11629,7 @@
           <a:lstStyle/>
           <a:p>
             <a:pPr marL="285750" indent="-285750">
-              <a:buFont typeface="Wingdings" pitchFamily="2" charset="2"/>
+              <a:buFont typeface="Wingdings" panose="05000000000000000000" pitchFamily="2" charset="2"/>
               <a:buChar char="v"/>
             </a:pPr>
             <a:r>
@@ -12211,9 +11692,11 @@
           <p:nvPr/>
         </p:nvPicPr>
         <p:blipFill rotWithShape="1">
-          <a:blip r:embed="rId3"/>
+          <a:blip r:embed="rId1"/>
           <a:srcRect l="39047" t="58571" b="23125"/>
-          <a:stretch/>
+          <a:stretch>
+            <a:fillRect/>
+          </a:stretch>
         </p:blipFill>
         <p:spPr bwMode="auto">
           <a:xfrm>
@@ -12232,13 +11715,7 @@
           <p:cNvGraphicFramePr>
             <a:graphicFrameLocks noGrp="1"/>
           </p:cNvGraphicFramePr>
-          <p:nvPr>
-            <p:extLst>
-              <p:ext uri="{D42A27DB-BD31-4B8C-83A1-F6EECF244321}">
-                <p14:modId xmlns:p14="http://schemas.microsoft.com/office/powerpoint/2010/main" val="2348084128"/>
-              </p:ext>
-            </p:extLst>
-          </p:nvPr>
+          <p:nvPr/>
         </p:nvGraphicFramePr>
         <p:xfrm>
           <a:off x="1331640" y="3789040"/>
@@ -12452,11 +11929,6 @@
         </a:graphic>
       </p:graphicFrame>
     </p:spTree>
-    <p:extLst>
-      <p:ext uri="{BB962C8B-B14F-4D97-AF65-F5344CB8AC3E}">
-        <p14:creationId xmlns:p14="http://schemas.microsoft.com/office/powerpoint/2010/main" val="241771364"/>
-      </p:ext>
-    </p:extLst>
   </p:cSld>
   <p:clrMapOvr>
     <a:masterClrMapping/>
@@ -12505,8 +11977,6 @@
           <a:p>
             <a:fld id="{B6F15528-21DE-4FAA-801E-634DDDAF4B2B}" type="slidenum">
               <a:rPr lang="en-US" smtClean="0"/>
-              <a:pPr/>
-              <a:t>21</a:t>
             </a:fld>
             <a:endParaRPr lang="en-US"/>
           </a:p>
@@ -12565,7 +12035,7 @@
           <a:lstStyle/>
           <a:p>
             <a:pPr marL="285750" indent="-285750">
-              <a:buFont typeface="Wingdings" pitchFamily="2" charset="2"/>
+              <a:buFont typeface="Wingdings" panose="05000000000000000000" pitchFamily="2" charset="2"/>
               <a:buChar char="v"/>
             </a:pPr>
             <a:r>
@@ -12628,7 +12098,7 @@
           <p:nvPr/>
         </p:nvPicPr>
         <p:blipFill>
-          <a:blip r:embed="rId3">
+          <a:blip r:embed="rId1">
             <a:extLst>
               <a:ext uri="{28A0092B-C50C-407E-A947-70E740481C1C}">
                 <a14:useLocalDpi xmlns:a14="http://schemas.microsoft.com/office/drawing/2010/main" val="0"/>
@@ -12650,11 +12120,6 @@
         </p:spPr>
       </p:pic>
     </p:spTree>
-    <p:extLst>
-      <p:ext uri="{BB962C8B-B14F-4D97-AF65-F5344CB8AC3E}">
-        <p14:creationId xmlns:p14="http://schemas.microsoft.com/office/powerpoint/2010/main" val="3318923665"/>
-      </p:ext>
-    </p:extLst>
   </p:cSld>
   <p:clrMapOvr>
     <a:masterClrMapping/>
@@ -12703,8 +12168,6 @@
           <a:p>
             <a:fld id="{B6F15528-21DE-4FAA-801E-634DDDAF4B2B}" type="slidenum">
               <a:rPr lang="en-US" smtClean="0"/>
-              <a:pPr/>
-              <a:t>22</a:t>
             </a:fld>
             <a:endParaRPr lang="en-US"/>
           </a:p>
@@ -12763,7 +12226,7 @@
           <a:lstStyle/>
           <a:p>
             <a:pPr marL="285750" indent="-285750">
-              <a:buFont typeface="Wingdings" pitchFamily="2" charset="2"/>
+              <a:buFont typeface="Wingdings" panose="05000000000000000000" pitchFamily="2" charset="2"/>
               <a:buChar char="v"/>
             </a:pPr>
             <a:r>
@@ -12826,7 +12289,7 @@
           <p:nvPr/>
         </p:nvPicPr>
         <p:blipFill rotWithShape="1">
-          <a:blip r:embed="rId3">
+          <a:blip r:embed="rId1">
             <a:extLst>
               <a:ext uri="{28A0092B-C50C-407E-A947-70E740481C1C}">
                 <a14:useLocalDpi xmlns:a14="http://schemas.microsoft.com/office/drawing/2010/main" val="0"/>
@@ -12834,7 +12297,9 @@
             </a:extLst>
           </a:blip>
           <a:srcRect l="17042" t="10112" b="24858"/>
-          <a:stretch/>
+          <a:stretch>
+            <a:fillRect/>
+          </a:stretch>
         </p:blipFill>
         <p:spPr>
           <a:xfrm>
@@ -12847,11 +12312,6 @@
         </p:spPr>
       </p:pic>
     </p:spTree>
-    <p:extLst>
-      <p:ext uri="{BB962C8B-B14F-4D97-AF65-F5344CB8AC3E}">
-        <p14:creationId xmlns:p14="http://schemas.microsoft.com/office/powerpoint/2010/main" val="2434434579"/>
-      </p:ext>
-    </p:extLst>
   </p:cSld>
   <p:clrMapOvr>
     <a:masterClrMapping/>
@@ -12900,8 +12360,6 @@
           <a:p>
             <a:fld id="{B6F15528-21DE-4FAA-801E-634DDDAF4B2B}" type="slidenum">
               <a:rPr lang="en-US" smtClean="0"/>
-              <a:pPr/>
-              <a:t>23</a:t>
             </a:fld>
             <a:endParaRPr lang="en-US"/>
           </a:p>
@@ -12960,7 +12418,7 @@
           <a:lstStyle/>
           <a:p>
             <a:pPr marL="285750" indent="-285750">
-              <a:buFont typeface="Wingdings" pitchFamily="2" charset="2"/>
+              <a:buFont typeface="Wingdings" panose="05000000000000000000" pitchFamily="2" charset="2"/>
               <a:buChar char="v"/>
             </a:pPr>
             <a:r>
@@ -13023,7 +12481,7 @@
           <p:nvPr/>
         </p:nvPicPr>
         <p:blipFill rotWithShape="1">
-          <a:blip r:embed="rId3">
+          <a:blip r:embed="rId1">
             <a:extLst>
               <a:ext uri="{28A0092B-C50C-407E-A947-70E740481C1C}">
                 <a14:useLocalDpi xmlns:a14="http://schemas.microsoft.com/office/drawing/2010/main" val="0"/>
@@ -13031,7 +12489,9 @@
             </a:extLst>
           </a:blip>
           <a:srcRect l="45910" t="63759" b="24858"/>
-          <a:stretch/>
+          <a:stretch>
+            <a:fillRect/>
+          </a:stretch>
         </p:blipFill>
         <p:spPr>
           <a:xfrm>
@@ -13049,13 +12509,7 @@
           <p:cNvGraphicFramePr>
             <a:graphicFrameLocks noGrp="1"/>
           </p:cNvGraphicFramePr>
-          <p:nvPr>
-            <p:extLst>
-              <p:ext uri="{D42A27DB-BD31-4B8C-83A1-F6EECF244321}">
-                <p14:modId xmlns:p14="http://schemas.microsoft.com/office/powerpoint/2010/main" val="2026424262"/>
-              </p:ext>
-            </p:extLst>
-          </p:nvPr>
+          <p:nvPr/>
         </p:nvGraphicFramePr>
         <p:xfrm>
           <a:off x="1524000" y="4005064"/>
@@ -13265,11 +12719,6 @@
         </a:graphic>
       </p:graphicFrame>
     </p:spTree>
-    <p:extLst>
-      <p:ext uri="{BB962C8B-B14F-4D97-AF65-F5344CB8AC3E}">
-        <p14:creationId xmlns:p14="http://schemas.microsoft.com/office/powerpoint/2010/main" val="2039439465"/>
-      </p:ext>
-    </p:extLst>
   </p:cSld>
   <p:clrMapOvr>
     <a:masterClrMapping/>
@@ -13318,8 +12767,6 @@
           <a:p>
             <a:fld id="{B6F15528-21DE-4FAA-801E-634DDDAF4B2B}" type="slidenum">
               <a:rPr lang="en-US" smtClean="0"/>
-              <a:pPr/>
-              <a:t>24</a:t>
             </a:fld>
             <a:endParaRPr lang="en-US"/>
           </a:p>
@@ -13378,7 +12825,7 @@
           <a:lstStyle/>
           <a:p>
             <a:pPr marL="285750" indent="-285750">
-              <a:buFont typeface="Wingdings" pitchFamily="2" charset="2"/>
+              <a:buFont typeface="Wingdings" panose="05000000000000000000" pitchFamily="2" charset="2"/>
               <a:buChar char="v"/>
             </a:pPr>
             <a:r>
@@ -13466,12 +12913,22 @@
               </a:rPr>
               <a:t>When do synthesize…</a:t>
             </a:r>
+            <a:endParaRPr lang="en-US" dirty="0" smtClean="0">
+              <a:effectLst>
+                <a:outerShdw blurRad="38100" dist="38100" dir="2700000" algn="tl">
+                  <a:srgbClr val="000000">
+                    <a:alpha val="43137"/>
+                  </a:srgbClr>
+                </a:outerShdw>
+              </a:effectLst>
+            </a:endParaRPr>
           </a:p>
           <a:p>
             <a:r>
               <a:rPr lang="en-US" dirty="0" smtClean="0"/>
               <a:t>Problem:   Wrong result</a:t>
             </a:r>
+            <a:endParaRPr lang="en-US" dirty="0" smtClean="0"/>
           </a:p>
           <a:p>
             <a:r>
@@ -13490,6 +12947,7 @@
               <a:rPr lang="en-US" altLang="zh-CN" dirty="0"/>
               <a:t> register file is triggered by electric level, instead of edge.</a:t>
             </a:r>
+            <a:endParaRPr lang="en-US" altLang="zh-CN" dirty="0"/>
           </a:p>
           <a:p>
             <a:r>
@@ -13504,6 +12962,7 @@
               <a:rPr lang="en-US" altLang="zh-CN" dirty="0" smtClean="0"/>
               <a:t>.</a:t>
             </a:r>
+            <a:endParaRPr lang="en-US" altLang="zh-CN" dirty="0" smtClean="0"/>
           </a:p>
           <a:p>
             <a:endParaRPr lang="en-US" dirty="0" smtClean="0">
@@ -13544,18 +13003,21 @@
               <a:rPr lang="en-US" dirty="0" smtClean="0"/>
               <a:t>Problem: Red waveform</a:t>
             </a:r>
+            <a:endParaRPr lang="en-US" dirty="0" smtClean="0"/>
           </a:p>
           <a:p>
             <a:r>
               <a:rPr lang="en-US" dirty="0" smtClean="0"/>
               <a:t>Reason:  Write enable and Read enable signal overlap</a:t>
             </a:r>
+            <a:endParaRPr lang="en-US" dirty="0" smtClean="0"/>
           </a:p>
           <a:p>
             <a:r>
               <a:rPr lang="en-US" dirty="0" smtClean="0"/>
               <a:t>Solution:</a:t>
             </a:r>
+            <a:endParaRPr lang="en-US" dirty="0" smtClean="0"/>
           </a:p>
         </p:txBody>
       </p:sp>
@@ -13805,6 +13267,7 @@
                   <a:rPr lang="en-US" altLang="zh-CN" dirty="0" smtClean="0"/>
                   <a:t>Write enable’</a:t>
                 </a:r>
+                <a:endParaRPr lang="en-US" altLang="zh-CN" dirty="0" smtClean="0"/>
               </a:p>
             </p:txBody>
           </p:sp>
@@ -14039,6 +13502,7 @@
                   <a:rPr lang="en-US" altLang="zh-CN" dirty="0" smtClean="0"/>
                   <a:t>Read enable’</a:t>
                 </a:r>
+                <a:endParaRPr lang="en-US" altLang="zh-CN" dirty="0" smtClean="0"/>
               </a:p>
             </p:txBody>
           </p:sp>
@@ -14220,11 +13684,6 @@
         </p:cxnSp>
       </p:grpSp>
     </p:spTree>
-    <p:extLst>
-      <p:ext uri="{BB962C8B-B14F-4D97-AF65-F5344CB8AC3E}">
-        <p14:creationId xmlns:p14="http://schemas.microsoft.com/office/powerpoint/2010/main" val="1242624637"/>
-      </p:ext>
-    </p:extLst>
   </p:cSld>
   <p:clrMapOvr>
     <a:masterClrMapping/>
@@ -14273,8 +13732,6 @@
           <a:p>
             <a:fld id="{B6F15528-21DE-4FAA-801E-634DDDAF4B2B}" type="slidenum">
               <a:rPr lang="en-US" smtClean="0"/>
-              <a:pPr/>
-              <a:t>25</a:t>
             </a:fld>
             <a:endParaRPr lang="en-US"/>
           </a:p>
@@ -14333,7 +13790,7 @@
           <a:lstStyle/>
           <a:p>
             <a:pPr marL="285750" indent="-285750">
-              <a:buFont typeface="Wingdings" pitchFamily="2" charset="2"/>
+              <a:buFont typeface="Wingdings" panose="05000000000000000000" pitchFamily="2" charset="2"/>
               <a:buChar char="v"/>
             </a:pPr>
             <a:r>
@@ -14396,7 +13853,7 @@
           <p:nvPr/>
         </p:nvPicPr>
         <p:blipFill rotWithShape="1">
-          <a:blip r:embed="rId3">
+          <a:blip r:embed="rId1">
             <a:extLst>
               <a:ext uri="{28A0092B-C50C-407E-A947-70E740481C1C}">
                 <a14:useLocalDpi xmlns:a14="http://schemas.microsoft.com/office/drawing/2010/main" val="0"/>
@@ -14404,7 +13861,9 @@
             </a:extLst>
           </a:blip>
           <a:srcRect l="8380" t="6800" r="21645"/>
-          <a:stretch/>
+          <a:stretch>
+            <a:fillRect/>
+          </a:stretch>
         </p:blipFill>
         <p:spPr bwMode="auto">
           <a:xfrm>
@@ -14427,11 +13886,6 @@
         </p:spPr>
       </p:pic>
     </p:spTree>
-    <p:extLst>
-      <p:ext uri="{BB962C8B-B14F-4D97-AF65-F5344CB8AC3E}">
-        <p14:creationId xmlns:p14="http://schemas.microsoft.com/office/powerpoint/2010/main" val="1921413677"/>
-      </p:ext>
-    </p:extLst>
   </p:cSld>
   <p:clrMapOvr>
     <a:masterClrMapping/>
@@ -14480,8 +13934,6 @@
           <a:p>
             <a:fld id="{B6F15528-21DE-4FAA-801E-634DDDAF4B2B}" type="slidenum">
               <a:rPr lang="en-US" smtClean="0"/>
-              <a:pPr/>
-              <a:t>26</a:t>
             </a:fld>
             <a:endParaRPr lang="en-US"/>
           </a:p>
@@ -14540,7 +13992,7 @@
           <a:lstStyle/>
           <a:p>
             <a:pPr marL="285750" indent="-285750">
-              <a:buFont typeface="Wingdings" pitchFamily="2" charset="2"/>
+              <a:buFont typeface="Wingdings" panose="05000000000000000000" pitchFamily="2" charset="2"/>
               <a:buChar char="v"/>
             </a:pPr>
             <a:r>
@@ -14652,6 +14104,9 @@
               </a:rPr>
               <a:t>......</a:t>
             </a:r>
+            <a:endParaRPr lang="pt-BR" b="1" dirty="0" smtClean="0">
+              <a:latin typeface="Courier New"/>
+            </a:endParaRPr>
           </a:p>
           <a:p>
             <a:r>
@@ -15186,6 +14641,12 @@
               </a:rPr>
               <a:t>8</a:t>
             </a:r>
+            <a:endParaRPr lang="pt-BR" b="1" dirty="0" smtClean="0">
+              <a:solidFill>
+                <a:srgbClr val="FF8000"/>
+              </a:solidFill>
+              <a:latin typeface="Courier New"/>
+            </a:endParaRPr>
           </a:p>
           <a:p>
             <a:r>
@@ -15268,6 +14729,12 @@
               </a:rPr>
               <a:t>......</a:t>
             </a:r>
+            <a:endParaRPr lang="pt-BR" b="1" dirty="0" smtClean="0">
+              <a:solidFill>
+                <a:srgbClr val="0000FF"/>
+              </a:solidFill>
+              <a:latin typeface="Courier New"/>
+            </a:endParaRPr>
           </a:p>
           <a:p>
             <a:r>
@@ -15563,6 +15030,12 @@
               </a:rPr>
               <a:t>ble </a:t>
             </a:r>
+            <a:endParaRPr lang="pt-BR" b="1" dirty="0" smtClean="0">
+              <a:solidFill>
+                <a:srgbClr val="000000"/>
+              </a:solidFill>
+              <a:latin typeface="Courier New"/>
+            </a:endParaRPr>
           </a:p>
           <a:p>
             <a:r>
@@ -15574,6 +15047,12 @@
               </a:rPr>
               <a:t>ble </a:t>
             </a:r>
+            <a:endParaRPr lang="pt-BR" b="1" dirty="0" smtClean="0">
+              <a:solidFill>
+                <a:srgbClr val="000000"/>
+              </a:solidFill>
+              <a:latin typeface="Courier New"/>
+            </a:endParaRPr>
           </a:p>
           <a:p>
             <a:r>
@@ -15585,6 +15064,12 @@
               </a:rPr>
               <a:t>ble </a:t>
             </a:r>
+            <a:endParaRPr lang="pt-BR" b="1" dirty="0" smtClean="0">
+              <a:solidFill>
+                <a:srgbClr val="000000"/>
+              </a:solidFill>
+              <a:latin typeface="Courier New"/>
+            </a:endParaRPr>
           </a:p>
           <a:p>
             <a:r>
@@ -15878,6 +15363,12 @@
               </a:rPr>
               <a:t>ble </a:t>
             </a:r>
+            <a:endParaRPr lang="pt-BR" b="1" dirty="0" smtClean="0">
+              <a:solidFill>
+                <a:srgbClr val="000000"/>
+              </a:solidFill>
+              <a:latin typeface="Courier New"/>
+            </a:endParaRPr>
           </a:p>
           <a:p>
             <a:r>
@@ -15889,6 +15380,12 @@
               </a:rPr>
               <a:t>ble </a:t>
             </a:r>
+            <a:endParaRPr lang="pt-BR" b="1" dirty="0" smtClean="0">
+              <a:solidFill>
+                <a:srgbClr val="000000"/>
+              </a:solidFill>
+              <a:latin typeface="Courier New"/>
+            </a:endParaRPr>
           </a:p>
           <a:p>
             <a:r>
@@ -15900,6 +15397,12 @@
               </a:rPr>
               <a:t>Ble</a:t>
             </a:r>
+            <a:endParaRPr lang="pt-BR" b="1" dirty="0" smtClean="0">
+              <a:solidFill>
+                <a:srgbClr val="000000"/>
+              </a:solidFill>
+              <a:latin typeface="Courier New"/>
+            </a:endParaRPr>
           </a:p>
           <a:p>
             <a:r>
@@ -16173,11 +15676,6 @@
         </p:txBody>
       </p:sp>
     </p:spTree>
-    <p:extLst>
-      <p:ext uri="{BB962C8B-B14F-4D97-AF65-F5344CB8AC3E}">
-        <p14:creationId xmlns:p14="http://schemas.microsoft.com/office/powerpoint/2010/main" val="2434434579"/>
-      </p:ext>
-    </p:extLst>
   </p:cSld>
   <p:clrMapOvr>
     <a:masterClrMapping/>
@@ -16909,8 +16407,6 @@
           <a:p>
             <a:fld id="{B6F15528-21DE-4FAA-801E-634DDDAF4B2B}" type="slidenum">
               <a:rPr lang="en-US" smtClean="0"/>
-              <a:pPr/>
-              <a:t>27</a:t>
             </a:fld>
             <a:endParaRPr lang="en-US"/>
           </a:p>
@@ -17001,6 +16497,7 @@
               <a:rPr lang="en-US" dirty="0" smtClean="0"/>
               <a:t>{</a:t>
             </a:r>
+            <a:endParaRPr lang="en-US" dirty="0" smtClean="0"/>
           </a:p>
           <a:p>
             <a:r>
@@ -17047,6 +16544,7 @@
               <a:rPr lang="en-US" dirty="0" smtClean="0"/>
               <a:t>;</a:t>
             </a:r>
+            <a:endParaRPr lang="en-US" dirty="0" smtClean="0"/>
           </a:p>
           <a:p>
             <a:r>
@@ -17093,12 +16591,14 @@
               <a:rPr lang="en-US" dirty="0" smtClean="0"/>
               <a:t>;)</a:t>
             </a:r>
+            <a:endParaRPr lang="en-US" dirty="0" smtClean="0"/>
           </a:p>
           <a:p>
             <a:r>
               <a:rPr lang="en-US" dirty="0" smtClean="0"/>
               <a:t>PC++;</a:t>
             </a:r>
+            <a:endParaRPr lang="en-US" dirty="0" smtClean="0"/>
           </a:p>
           <a:p>
             <a:endParaRPr lang="en-US" dirty="0"/>
@@ -17132,6 +16632,7 @@
               <a:rPr lang="en-US" dirty="0" smtClean="0"/>
               <a:t> pc++;</a:t>
             </a:r>
+            <a:endParaRPr lang="en-US" dirty="0" smtClean="0"/>
           </a:p>
           <a:p>
             <a:r>
@@ -17162,6 +16663,7 @@
               <a:rPr lang="en-US" dirty="0" smtClean="0"/>
               <a:t>[];</a:t>
             </a:r>
+            <a:endParaRPr lang="en-US" dirty="0" smtClean="0"/>
           </a:p>
           <a:p>
             <a:endParaRPr lang="en-US" dirty="0"/>
@@ -17239,6 +16741,7 @@
               <a:rPr lang="en-US" dirty="0" smtClean="0"/>
               <a:t> {</a:t>
             </a:r>
+            <a:endParaRPr lang="en-US" dirty="0" smtClean="0"/>
           </a:p>
           <a:p>
             <a:r>
@@ -17313,6 +16816,7 @@
               <a:rPr lang="en-US" dirty="0" smtClean="0"/>
               <a:t>{</a:t>
             </a:r>
+            <a:endParaRPr lang="en-US" dirty="0" smtClean="0"/>
           </a:p>
           <a:p>
             <a:r>
@@ -17376,13 +16880,7 @@
           <p:cNvGraphicFramePr>
             <a:graphicFrameLocks noGrp="1"/>
           </p:cNvGraphicFramePr>
-          <p:nvPr>
-            <p:extLst>
-              <p:ext uri="{D42A27DB-BD31-4B8C-83A1-F6EECF244321}">
-                <p14:modId xmlns:p14="http://schemas.microsoft.com/office/powerpoint/2010/main" val="781261778"/>
-              </p:ext>
-            </p:extLst>
-          </p:nvPr>
+          <p:nvPr/>
         </p:nvGraphicFramePr>
         <p:xfrm>
           <a:off x="6372200" y="183639"/>
@@ -17408,6 +16906,7 @@
                         <a:rPr lang="en-US" dirty="0" smtClean="0"/>
                         <a:t>Key</a:t>
                       </a:r>
+                      <a:endParaRPr lang="en-US" dirty="0" smtClean="0"/>
                     </a:p>
                     <a:p>
                       <a:r>
@@ -17436,6 +16935,7 @@
                         <a:rPr lang="en-US" dirty="0" smtClean="0"/>
                         <a:t>Value</a:t>
                       </a:r>
+                      <a:endParaRPr lang="en-US" dirty="0" smtClean="0"/>
                     </a:p>
                     <a:p>
                       <a:r>
@@ -17543,11 +17043,6 @@
         </a:graphic>
       </p:graphicFrame>
     </p:spTree>
-    <p:extLst>
-      <p:ext uri="{BB962C8B-B14F-4D97-AF65-F5344CB8AC3E}">
-        <p14:creationId xmlns:p14="http://schemas.microsoft.com/office/powerpoint/2010/main" val="631124596"/>
-      </p:ext>
-    </p:extLst>
   </p:cSld>
   <p:clrMapOvr>
     <a:masterClrMapping/>
@@ -17596,8 +17091,6 @@
           <a:p>
             <a:fld id="{B6F15528-21DE-4FAA-801E-634DDDAF4B2B}" type="slidenum">
               <a:rPr lang="en-US" smtClean="0"/>
-              <a:pPr/>
-              <a:t>28</a:t>
             </a:fld>
             <a:endParaRPr lang="en-US"/>
           </a:p>
@@ -17656,7 +17149,7 @@
           <a:lstStyle/>
           <a:p>
             <a:pPr marL="285750" indent="-285750">
-              <a:buFont typeface="Wingdings" pitchFamily="2" charset="2"/>
+              <a:buFont typeface="Wingdings" panose="05000000000000000000" pitchFamily="2" charset="2"/>
               <a:buChar char="v"/>
             </a:pPr>
             <a:r>
@@ -17690,7 +17183,7 @@
           <p:nvPr/>
         </p:nvPicPr>
         <p:blipFill rotWithShape="1">
-          <a:blip r:embed="rId3">
+          <a:blip r:embed="rId1">
             <a:extLst>
               <a:ext uri="{28A0092B-C50C-407E-A947-70E740481C1C}">
                 <a14:useLocalDpi xmlns:a14="http://schemas.microsoft.com/office/drawing/2010/main" val="0"/>
@@ -17698,7 +17191,9 @@
             </a:extLst>
           </a:blip>
           <a:srcRect l="56152" t="13445" r="29730" b="77761"/>
-          <a:stretch/>
+          <a:stretch>
+            <a:fillRect/>
+          </a:stretch>
         </p:blipFill>
         <p:spPr bwMode="auto">
           <a:xfrm>
@@ -17729,7 +17224,7 @@
           <p:nvPr/>
         </p:nvPicPr>
         <p:blipFill rotWithShape="1">
-          <a:blip r:embed="rId4">
+          <a:blip r:embed="rId2">
             <a:extLst>
               <a:ext uri="{28A0092B-C50C-407E-A947-70E740481C1C}">
                 <a14:useLocalDpi xmlns:a14="http://schemas.microsoft.com/office/drawing/2010/main" val="0"/>
@@ -17737,7 +17232,9 @@
             </a:extLst>
           </a:blip>
           <a:srcRect l="51448" t="13294" r="39464" b="77912"/>
-          <a:stretch/>
+          <a:stretch>
+            <a:fillRect/>
+          </a:stretch>
         </p:blipFill>
         <p:spPr bwMode="auto">
           <a:xfrm>
@@ -17768,7 +17265,7 @@
           <p:nvPr/>
         </p:nvPicPr>
         <p:blipFill rotWithShape="1">
-          <a:blip r:embed="rId5">
+          <a:blip r:embed="rId3">
             <a:extLst>
               <a:ext uri="{28A0092B-C50C-407E-A947-70E740481C1C}">
                 <a14:useLocalDpi xmlns:a14="http://schemas.microsoft.com/office/drawing/2010/main" val="0"/>
@@ -17776,7 +17273,9 @@
             </a:extLst>
           </a:blip>
           <a:srcRect l="52215" t="13355" r="38432" b="77851"/>
-          <a:stretch/>
+          <a:stretch>
+            <a:fillRect/>
+          </a:stretch>
         </p:blipFill>
         <p:spPr bwMode="auto">
           <a:xfrm>
@@ -17807,7 +17306,7 @@
           <p:nvPr/>
         </p:nvPicPr>
         <p:blipFill rotWithShape="1">
-          <a:blip r:embed="rId6">
+          <a:blip r:embed="rId4">
             <a:extLst>
               <a:ext uri="{28A0092B-C50C-407E-A947-70E740481C1C}">
                 <a14:useLocalDpi xmlns:a14="http://schemas.microsoft.com/office/drawing/2010/main" val="0"/>
@@ -17815,7 +17314,9 @@
             </a:extLst>
           </a:blip>
           <a:srcRect l="73737" t="13507" r="20263" b="77471"/>
-          <a:stretch/>
+          <a:stretch>
+            <a:fillRect/>
+          </a:stretch>
         </p:blipFill>
         <p:spPr bwMode="auto">
           <a:xfrm>
@@ -17846,7 +17347,7 @@
           <p:nvPr/>
         </p:nvPicPr>
         <p:blipFill rotWithShape="1">
-          <a:blip r:embed="rId7">
+          <a:blip r:embed="rId5">
             <a:extLst>
               <a:ext uri="{28A0092B-C50C-407E-A947-70E740481C1C}">
                 <a14:useLocalDpi xmlns:a14="http://schemas.microsoft.com/office/drawing/2010/main" val="0"/>
@@ -17854,7 +17355,9 @@
             </a:extLst>
           </a:blip>
           <a:srcRect l="74578" t="13885" r="18804" b="75772"/>
-          <a:stretch/>
+          <a:stretch>
+            <a:fillRect/>
+          </a:stretch>
         </p:blipFill>
         <p:spPr bwMode="auto">
           <a:xfrm>
@@ -17885,7 +17388,7 @@
           <p:nvPr/>
         </p:nvPicPr>
         <p:blipFill rotWithShape="1">
-          <a:blip r:embed="rId8">
+          <a:blip r:embed="rId6">
             <a:extLst>
               <a:ext uri="{28A0092B-C50C-407E-A947-70E740481C1C}">
                 <a14:useLocalDpi xmlns:a14="http://schemas.microsoft.com/office/drawing/2010/main" val="0"/>
@@ -17893,7 +17396,9 @@
             </a:extLst>
           </a:blip>
           <a:srcRect l="42486" t="13739" r="52573" b="77305"/>
-          <a:stretch/>
+          <a:stretch>
+            <a:fillRect/>
+          </a:stretch>
         </p:blipFill>
         <p:spPr bwMode="auto">
           <a:xfrm>
@@ -17924,7 +17429,7 @@
           <p:nvPr/>
         </p:nvPicPr>
         <p:blipFill rotWithShape="1">
-          <a:blip r:embed="rId8">
+          <a:blip r:embed="rId6">
             <a:extLst>
               <a:ext uri="{28A0092B-C50C-407E-A947-70E740481C1C}">
                 <a14:useLocalDpi xmlns:a14="http://schemas.microsoft.com/office/drawing/2010/main" val="0"/>
@@ -17932,7 +17437,9 @@
             </a:extLst>
           </a:blip>
           <a:srcRect l="84845" t="12346" r="9155" b="78698"/>
-          <a:stretch/>
+          <a:stretch>
+            <a:fillRect/>
+          </a:stretch>
         </p:blipFill>
         <p:spPr bwMode="auto">
           <a:xfrm>
@@ -17963,7 +17470,7 @@
           <p:nvPr/>
         </p:nvPicPr>
         <p:blipFill rotWithShape="1">
-          <a:blip r:embed="rId9">
+          <a:blip r:embed="rId7">
             <a:extLst>
               <a:ext uri="{28A0092B-C50C-407E-A947-70E740481C1C}">
                 <a14:useLocalDpi xmlns:a14="http://schemas.microsoft.com/office/drawing/2010/main" val="0"/>
@@ -17971,7 +17478,9 @@
             </a:extLst>
           </a:blip>
           <a:srcRect l="43907" t="12351" r="51360" b="77104"/>
-          <a:stretch/>
+          <a:stretch>
+            <a:fillRect/>
+          </a:stretch>
         </p:blipFill>
         <p:spPr bwMode="auto">
           <a:xfrm>
@@ -18002,7 +17511,7 @@
           <p:nvPr/>
         </p:nvPicPr>
         <p:blipFill rotWithShape="1">
-          <a:blip r:embed="rId9">
+          <a:blip r:embed="rId7">
             <a:extLst>
               <a:ext uri="{28A0092B-C50C-407E-A947-70E740481C1C}">
                 <a14:useLocalDpi xmlns:a14="http://schemas.microsoft.com/office/drawing/2010/main" val="0"/>
@@ -18010,7 +17519,9 @@
             </a:extLst>
           </a:blip>
           <a:srcRect l="86645" t="13833" r="8208" b="75735"/>
-          <a:stretch/>
+          <a:stretch>
+            <a:fillRect/>
+          </a:stretch>
         </p:blipFill>
         <p:spPr bwMode="auto">
           <a:xfrm>
@@ -18041,7 +17552,7 @@
           <p:nvPr/>
         </p:nvPicPr>
         <p:blipFill rotWithShape="1">
-          <a:blip r:embed="rId10">
+          <a:blip r:embed="rId8">
             <a:extLst>
               <a:ext uri="{28A0092B-C50C-407E-A947-70E740481C1C}">
                 <a14:useLocalDpi xmlns:a14="http://schemas.microsoft.com/office/drawing/2010/main" val="0"/>
@@ -18049,7 +17560,9 @@
             </a:extLst>
           </a:blip>
           <a:srcRect l="45605" t="12899" r="49236" b="75991"/>
-          <a:stretch/>
+          <a:stretch>
+            <a:fillRect/>
+          </a:stretch>
         </p:blipFill>
         <p:spPr bwMode="auto">
           <a:xfrm>
@@ -18080,7 +17593,7 @@
           <p:nvPr/>
         </p:nvPicPr>
         <p:blipFill rotWithShape="1">
-          <a:blip r:embed="rId10">
+          <a:blip r:embed="rId8">
             <a:extLst>
               <a:ext uri="{28A0092B-C50C-407E-A947-70E740481C1C}">
                 <a14:useLocalDpi xmlns:a14="http://schemas.microsoft.com/office/drawing/2010/main" val="0"/>
@@ -18088,7 +17601,9 @@
             </a:extLst>
           </a:blip>
           <a:srcRect l="88732" t="13097" r="5634" b="76312"/>
-          <a:stretch/>
+          <a:stretch>
+            <a:fillRect/>
+          </a:stretch>
         </p:blipFill>
         <p:spPr bwMode="auto">
           <a:xfrm>
@@ -18119,7 +17634,7 @@
           <p:nvPr/>
         </p:nvPicPr>
         <p:blipFill>
-          <a:blip r:embed="rId11">
+          <a:blip r:embed="rId9">
             <a:extLst>
               <a:ext uri="{28A0092B-C50C-407E-A947-70E740481C1C}">
                 <a14:useLocalDpi xmlns:a14="http://schemas.microsoft.com/office/drawing/2010/main" val="0"/>
@@ -18173,7 +17688,7 @@
           <p:nvPr/>
         </p:nvPicPr>
         <p:blipFill>
-          <a:blip r:embed="rId12">
+          <a:blip r:embed="rId10">
             <a:extLst>
               <a:ext uri="{28A0092B-C50C-407E-A947-70E740481C1C}">
                 <a14:useLocalDpi xmlns:a14="http://schemas.microsoft.com/office/drawing/2010/main" val="0"/>
@@ -18227,7 +17742,7 @@
           <p:nvPr/>
         </p:nvPicPr>
         <p:blipFill>
-          <a:blip r:embed="rId13">
+          <a:blip r:embed="rId11">
             <a:extLst>
               <a:ext uri="{28A0092B-C50C-407E-A947-70E740481C1C}">
                 <a14:useLocalDpi xmlns:a14="http://schemas.microsoft.com/office/drawing/2010/main" val="0"/>
@@ -18281,7 +17796,7 @@
           <p:nvPr/>
         </p:nvPicPr>
         <p:blipFill>
-          <a:blip r:embed="rId14">
+          <a:blip r:embed="rId12">
             <a:extLst>
               <a:ext uri="{28A0092B-C50C-407E-A947-70E740481C1C}">
                 <a14:useLocalDpi xmlns:a14="http://schemas.microsoft.com/office/drawing/2010/main" val="0"/>
@@ -18335,7 +17850,7 @@
           <p:nvPr/>
         </p:nvPicPr>
         <p:blipFill>
-          <a:blip r:embed="rId15">
+          <a:blip r:embed="rId13">
             <a:extLst>
               <a:ext uri="{28A0092B-C50C-407E-A947-70E740481C1C}">
                 <a14:useLocalDpi xmlns:a14="http://schemas.microsoft.com/office/drawing/2010/main" val="0"/>
@@ -18389,7 +17904,7 @@
           <p:nvPr/>
         </p:nvPicPr>
         <p:blipFill>
-          <a:blip r:embed="rId16">
+          <a:blip r:embed="rId14">
             <a:extLst>
               <a:ext uri="{28A0092B-C50C-407E-A947-70E740481C1C}">
                 <a14:useLocalDpi xmlns:a14="http://schemas.microsoft.com/office/drawing/2010/main" val="0"/>
@@ -18443,7 +17958,7 @@
           <p:nvPr/>
         </p:nvPicPr>
         <p:blipFill>
-          <a:blip r:embed="rId17">
+          <a:blip r:embed="rId15">
             <a:extLst>
               <a:ext uri="{28A0092B-C50C-407E-A947-70E740481C1C}">
                 <a14:useLocalDpi xmlns:a14="http://schemas.microsoft.com/office/drawing/2010/main" val="0"/>
@@ -18497,7 +18012,7 @@
           <p:nvPr/>
         </p:nvPicPr>
         <p:blipFill>
-          <a:blip r:embed="rId18">
+          <a:blip r:embed="rId16">
             <a:extLst>
               <a:ext uri="{28A0092B-C50C-407E-A947-70E740481C1C}">
                 <a14:useLocalDpi xmlns:a14="http://schemas.microsoft.com/office/drawing/2010/main" val="0"/>
@@ -18551,7 +18066,7 @@
           <p:nvPr/>
         </p:nvPicPr>
         <p:blipFill>
-          <a:blip r:embed="rId19">
+          <a:blip r:embed="rId17">
             <a:extLst>
               <a:ext uri="{28A0092B-C50C-407E-A947-70E740481C1C}">
                 <a14:useLocalDpi xmlns:a14="http://schemas.microsoft.com/office/drawing/2010/main" val="0"/>
@@ -18605,7 +18120,7 @@
           <p:nvPr/>
         </p:nvPicPr>
         <p:blipFill>
-          <a:blip r:embed="rId20">
+          <a:blip r:embed="rId18">
             <a:extLst>
               <a:ext uri="{28A0092B-C50C-407E-A947-70E740481C1C}">
                 <a14:useLocalDpi xmlns:a14="http://schemas.microsoft.com/office/drawing/2010/main" val="0"/>
@@ -18659,7 +18174,7 @@
           <p:nvPr/>
         </p:nvPicPr>
         <p:blipFill>
-          <a:blip r:embed="rId21">
+          <a:blip r:embed="rId19">
             <a:extLst>
               <a:ext uri="{28A0092B-C50C-407E-A947-70E740481C1C}">
                 <a14:useLocalDpi xmlns:a14="http://schemas.microsoft.com/office/drawing/2010/main" val="0"/>
@@ -18730,6 +18245,7 @@
               <a:rPr lang="en-US" b="1" dirty="0"/>
               <a:t>Fibonacci number</a:t>
             </a:r>
+            <a:endParaRPr lang="en-US" b="1" dirty="0"/>
           </a:p>
         </p:txBody>
       </p:sp>
@@ -18742,7 +18258,7 @@
           <p:nvPr/>
         </p:nvPicPr>
         <p:blipFill>
-          <a:blip r:embed="rId22">
+          <a:blip r:embed="rId20">
             <a:extLst>
               <a:ext uri="{28A0092B-C50C-407E-A947-70E740481C1C}">
                 <a14:useLocalDpi xmlns:a14="http://schemas.microsoft.com/office/drawing/2010/main" val="0"/>
@@ -18796,7 +18312,7 @@
           <p:nvPr/>
         </p:nvPicPr>
         <p:blipFill>
-          <a:blip r:embed="rId23">
+          <a:blip r:embed="rId21">
             <a:extLst>
               <a:ext uri="{28A0092B-C50C-407E-A947-70E740481C1C}">
                 <a14:useLocalDpi xmlns:a14="http://schemas.microsoft.com/office/drawing/2010/main" val="0"/>
@@ -18842,11 +18358,6 @@
         </p:spPr>
       </p:pic>
     </p:spTree>
-    <p:extLst>
-      <p:ext uri="{BB962C8B-B14F-4D97-AF65-F5344CB8AC3E}">
-        <p14:creationId xmlns:p14="http://schemas.microsoft.com/office/powerpoint/2010/main" val="1172434460"/>
-      </p:ext>
-    </p:extLst>
   </p:cSld>
   <p:clrMapOvr>
     <a:masterClrMapping/>
@@ -18895,8 +18406,6 @@
           <a:p>
             <a:fld id="{B6F15528-21DE-4FAA-801E-634DDDAF4B2B}" type="slidenum">
               <a:rPr lang="en-US" smtClean="0"/>
-              <a:pPr/>
-              <a:t>29</a:t>
             </a:fld>
             <a:endParaRPr lang="en-US"/>
           </a:p>
@@ -18955,7 +18464,7 @@
           <a:lstStyle/>
           <a:p>
             <a:pPr marL="285750" indent="-285750">
-              <a:buFont typeface="Wingdings" pitchFamily="2" charset="2"/>
+              <a:buFont typeface="Wingdings" panose="05000000000000000000" pitchFamily="2" charset="2"/>
               <a:buChar char="v"/>
             </a:pPr>
             <a:r>
@@ -19011,11 +18520,6 @@
         </p:txBody>
       </p:sp>
     </p:spTree>
-    <p:extLst>
-      <p:ext uri="{BB962C8B-B14F-4D97-AF65-F5344CB8AC3E}">
-        <p14:creationId xmlns:p14="http://schemas.microsoft.com/office/powerpoint/2010/main" val="2434434579"/>
-      </p:ext>
-    </p:extLst>
   </p:cSld>
   <p:clrMapOvr>
     <a:masterClrMapping/>
@@ -19100,7 +18604,7 @@
           <a:lstStyle/>
           <a:p>
             <a:pPr marL="285750" indent="-285750">
-              <a:buFont typeface="Wingdings" pitchFamily="2" charset="2"/>
+              <a:buFont typeface="Wingdings" panose="05000000000000000000" pitchFamily="2" charset="2"/>
               <a:buChar char="v"/>
             </a:pPr>
             <a:r>
@@ -19142,8 +18646,6 @@
           <a:p>
             <a:fld id="{B6F15528-21DE-4FAA-801E-634DDDAF4B2B}" type="slidenum">
               <a:rPr lang="en-US" smtClean="0"/>
-              <a:pPr/>
-              <a:t>3</a:t>
             </a:fld>
             <a:endParaRPr lang="en-US" dirty="0"/>
           </a:p>
@@ -19176,6 +18678,7 @@
               <a:rPr lang="en-US" altLang="zh-CN" sz="4000" dirty="0" smtClean="0"/>
               <a:t>Contents:</a:t>
             </a:r>
+            <a:endParaRPr lang="en-US" altLang="zh-CN" sz="4000" dirty="0" smtClean="0"/>
           </a:p>
           <a:p>
             <a:pPr marL="342900" indent="-342900">
@@ -19188,6 +18691,7 @@
               <a:rPr lang="en-US" altLang="zh-CN" sz="3200" dirty="0" smtClean="0"/>
               <a:t> Instruction set</a:t>
             </a:r>
+            <a:endParaRPr lang="en-US" altLang="zh-CN" sz="3200" dirty="0" smtClean="0"/>
           </a:p>
           <a:p>
             <a:pPr marL="342900" indent="-342900">
@@ -19208,6 +18712,7 @@
               <a:rPr lang="en-US" altLang="zh-CN" sz="3200" dirty="0" smtClean="0"/>
               <a:t>esign</a:t>
             </a:r>
+            <a:endParaRPr lang="en-US" altLang="zh-CN" sz="3200" dirty="0" smtClean="0"/>
           </a:p>
           <a:p>
             <a:pPr marL="342900" indent="-342900">
@@ -19220,6 +18725,7 @@
               <a:rPr lang="en-US" altLang="zh-CN" sz="3200" dirty="0" smtClean="0"/>
               <a:t> Pipeline design</a:t>
             </a:r>
+            <a:endParaRPr lang="en-US" altLang="zh-CN" sz="3200" dirty="0" smtClean="0"/>
           </a:p>
           <a:p>
             <a:pPr marL="342900" indent="-342900">
@@ -19233,6 +18739,7 @@
               <a:rPr lang="en-US" altLang="zh-CN" sz="3200" dirty="0" smtClean="0"/>
               <a:t> Assembler </a:t>
             </a:r>
+            <a:endParaRPr lang="en-US" altLang="zh-CN" sz="3200" dirty="0" smtClean="0"/>
           </a:p>
           <a:p>
             <a:pPr marL="342900" indent="-342900">
@@ -19249,6 +18756,7 @@
               <a:rPr lang="en-US" altLang="zh-CN" sz="3200" dirty="0" smtClean="0"/>
               <a:t>Synthesize and Layout</a:t>
             </a:r>
+            <a:endParaRPr lang="en-US" altLang="zh-CN" sz="3200" dirty="0" smtClean="0"/>
           </a:p>
           <a:p>
             <a:pPr marL="342900" indent="-342900">
@@ -19266,11 +18774,6 @@
         </p:txBody>
       </p:sp>
     </p:spTree>
-    <p:extLst>
-      <p:ext uri="{BB962C8B-B14F-4D97-AF65-F5344CB8AC3E}">
-        <p14:creationId xmlns:p14="http://schemas.microsoft.com/office/powerpoint/2010/main" val="2139663982"/>
-      </p:ext>
-    </p:extLst>
   </p:cSld>
   <p:clrMapOvr>
     <a:masterClrMapping/>
@@ -19355,7 +18858,7 @@
           <a:lstStyle/>
           <a:p>
             <a:pPr marL="285750" indent="-285750">
-              <a:buFont typeface="Wingdings" pitchFamily="2" charset="2"/>
+              <a:buFont typeface="Wingdings" panose="05000000000000000000" pitchFamily="2" charset="2"/>
               <a:buChar char="v"/>
             </a:pPr>
             <a:r>
@@ -19436,8 +18939,6 @@
           <a:p>
             <a:fld id="{B6F15528-21DE-4FAA-801E-634DDDAF4B2B}" type="slidenum">
               <a:rPr lang="en-US" smtClean="0"/>
-              <a:pPr/>
-              <a:t>4</a:t>
             </a:fld>
             <a:endParaRPr lang="en-US" dirty="0"/>
           </a:p>
@@ -19449,13 +18950,7 @@
           <p:cNvGraphicFramePr>
             <a:graphicFrameLocks noGrp="1"/>
           </p:cNvGraphicFramePr>
-          <p:nvPr>
-            <p:extLst>
-              <p:ext uri="{D42A27DB-BD31-4B8C-83A1-F6EECF244321}">
-                <p14:modId xmlns:p14="http://schemas.microsoft.com/office/powerpoint/2010/main" val="2663641336"/>
-              </p:ext>
-            </p:extLst>
-          </p:nvPr>
+          <p:nvPr/>
         </p:nvGraphicFramePr>
         <p:xfrm>
           <a:off x="71470" y="1064916"/>
@@ -19497,6 +18992,12 @@
                         </a:rPr>
                         <a:t> </a:t>
                       </a:r>
+                      <a:endParaRPr lang="en-US" sz="2200" kern="100" dirty="0">
+                        <a:effectLst/>
+                        <a:latin typeface="Calibri"/>
+                        <a:ea typeface="宋体"/>
+                        <a:cs typeface="Times New Roman"/>
+                      </a:endParaRPr>
                     </a:p>
                   </a:txBody>
                   <a:tcPr marL="68580" marR="68580" marT="0" marB="0">
@@ -19560,6 +19061,12 @@
                         </a:rPr>
                         <a:t> </a:t>
                       </a:r>
+                      <a:endParaRPr lang="en-US" sz="2200" kern="100">
+                        <a:effectLst/>
+                        <a:latin typeface="Calibri"/>
+                        <a:ea typeface="宋体"/>
+                        <a:cs typeface="Times New Roman"/>
+                      </a:endParaRPr>
                     </a:p>
                   </a:txBody>
                   <a:tcPr marL="68580" marR="68580" marT="0" marB="0">
@@ -19623,6 +19130,12 @@
                         </a:rPr>
                         <a:t>Opcode(15-11)</a:t>
                       </a:r>
+                      <a:endParaRPr lang="en-US" sz="2200" kern="100">
+                        <a:effectLst/>
+                        <a:latin typeface="Calibri"/>
+                        <a:ea typeface="宋体"/>
+                        <a:cs typeface="Times New Roman"/>
+                      </a:endParaRPr>
                     </a:p>
                   </a:txBody>
                   <a:tcPr marL="68580" marR="68580" marT="0" marB="0">
@@ -19695,6 +19208,12 @@
                         </a:rPr>
                         <a:t>(10-8)</a:t>
                       </a:r>
+                      <a:endParaRPr lang="en-US" sz="2200" kern="100" dirty="0">
+                        <a:effectLst/>
+                        <a:latin typeface="Calibri"/>
+                        <a:ea typeface="宋体"/>
+                        <a:cs typeface="Times New Roman"/>
+                      </a:endParaRPr>
                     </a:p>
                   </a:txBody>
                   <a:tcPr marL="68580" marR="68580" marT="0" marB="0">
@@ -19767,6 +19286,12 @@
                         </a:rPr>
                         <a:t>(7-5)</a:t>
                       </a:r>
+                      <a:endParaRPr lang="en-US" sz="2200" kern="100" dirty="0">
+                        <a:effectLst/>
+                        <a:latin typeface="Calibri"/>
+                        <a:ea typeface="宋体"/>
+                        <a:cs typeface="Times New Roman"/>
+                      </a:endParaRPr>
                     </a:p>
                   </a:txBody>
                   <a:tcPr marL="68580" marR="68580" marT="0" marB="0">
@@ -19830,6 +19355,12 @@
                         </a:rPr>
                         <a:t>Rd(4-2)</a:t>
                       </a:r>
+                      <a:endParaRPr lang="en-US" sz="2200" kern="100">
+                        <a:effectLst/>
+                        <a:latin typeface="Calibri"/>
+                        <a:ea typeface="宋体"/>
+                        <a:cs typeface="Times New Roman"/>
+                      </a:endParaRPr>
                     </a:p>
                   </a:txBody>
                   <a:tcPr marL="68580" marR="68580" marT="0" marB="0">
@@ -19902,6 +19433,12 @@
                         </a:rPr>
                         <a:t>(1-0)</a:t>
                       </a:r>
+                      <a:endParaRPr lang="en-US" sz="2200" kern="100" dirty="0">
+                        <a:effectLst/>
+                        <a:latin typeface="Calibri"/>
+                        <a:ea typeface="宋体"/>
+                        <a:cs typeface="Times New Roman"/>
+                      </a:endParaRPr>
                     </a:p>
                   </a:txBody>
                   <a:tcPr marL="68580" marR="68580" marT="0" marB="0">
@@ -19967,6 +19504,12 @@
                         </a:rPr>
                         <a:t>R</a:t>
                       </a:r>
+                      <a:endParaRPr lang="en-US" sz="2200" kern="100" dirty="0">
+                        <a:effectLst/>
+                        <a:latin typeface="Calibri"/>
+                        <a:ea typeface="宋体"/>
+                        <a:cs typeface="Times New Roman"/>
+                      </a:endParaRPr>
                     </a:p>
                   </a:txBody>
                   <a:tcPr marL="68580" marR="68580" marT="0" marB="0">
@@ -20030,6 +19573,12 @@
                         </a:rPr>
                         <a:t>ADD</a:t>
                       </a:r>
+                      <a:endParaRPr lang="en-US" sz="2200" kern="100" dirty="0">
+                        <a:effectLst/>
+                        <a:latin typeface="Calibri"/>
+                        <a:ea typeface="宋体"/>
+                        <a:cs typeface="Times New Roman"/>
+                      </a:endParaRPr>
                     </a:p>
                   </a:txBody>
                   <a:tcPr marL="68580" marR="68580" marT="0" marB="0">
@@ -20189,6 +19738,12 @@
                         </a:rPr>
                         <a:t> </a:t>
                       </a:r>
+                      <a:endParaRPr lang="en-US" sz="2200" kern="100" dirty="0">
+                        <a:effectLst/>
+                        <a:latin typeface="Calibri"/>
+                        <a:ea typeface="宋体"/>
+                        <a:cs typeface="Times New Roman"/>
+                      </a:endParaRPr>
                     </a:p>
                   </a:txBody>
                   <a:tcPr marL="68580" marR="68580" marT="0" marB="0">
@@ -20252,6 +19807,12 @@
                         </a:rPr>
                         <a:t> </a:t>
                       </a:r>
+                      <a:endParaRPr lang="en-US" sz="2200" kern="100">
+                        <a:effectLst/>
+                        <a:latin typeface="Calibri"/>
+                        <a:ea typeface="宋体"/>
+                        <a:cs typeface="Times New Roman"/>
+                      </a:endParaRPr>
                     </a:p>
                   </a:txBody>
                   <a:tcPr marL="68580" marR="68580" marT="0" marB="0">
@@ -20315,6 +19876,12 @@
                         </a:rPr>
                         <a:t> </a:t>
                       </a:r>
+                      <a:endParaRPr lang="en-US" sz="2200" kern="100">
+                        <a:effectLst/>
+                        <a:latin typeface="Calibri"/>
+                        <a:ea typeface="宋体"/>
+                        <a:cs typeface="Times New Roman"/>
+                      </a:endParaRPr>
                     </a:p>
                   </a:txBody>
                   <a:tcPr marL="68580" marR="68580" marT="0" marB="0">
@@ -20378,6 +19945,12 @@
                         </a:rPr>
                         <a:t>00</a:t>
                       </a:r>
+                      <a:endParaRPr lang="en-US" sz="2200" kern="100">
+                        <a:effectLst/>
+                        <a:latin typeface="Calibri"/>
+                        <a:ea typeface="宋体"/>
+                        <a:cs typeface="Times New Roman"/>
+                      </a:endParaRPr>
                     </a:p>
                   </a:txBody>
                   <a:tcPr marL="68580" marR="68580" marT="0" marB="0">
@@ -20422,13 +19995,6 @@
               </a:tr>
               <a:tr h="312957">
                 <a:tc vMerge="1">
-                  <a:txBody>
-                    <a:bodyPr/>
-                    <a:lstStyle/>
-                    <a:p>
-                      <a:endParaRPr lang="en-US"/>
-                    </a:p>
-                  </a:txBody>
                   <a:tcPr/>
                 </a:tc>
                 <a:tc>
@@ -20453,6 +20019,12 @@
                         </a:rPr>
                         <a:t>SUB</a:t>
                       </a:r>
+                      <a:endParaRPr lang="en-US" sz="2200" kern="100" dirty="0">
+                        <a:effectLst/>
+                        <a:latin typeface="Calibri"/>
+                        <a:ea typeface="宋体"/>
+                        <a:cs typeface="Times New Roman"/>
+                      </a:endParaRPr>
                     </a:p>
                   </a:txBody>
                   <a:tcPr marL="68580" marR="68580" marT="0" marB="0">
@@ -20600,6 +20172,12 @@
                         </a:rPr>
                         <a:t> </a:t>
                       </a:r>
+                      <a:endParaRPr lang="en-US" sz="2200" kern="100">
+                        <a:effectLst/>
+                        <a:latin typeface="Calibri"/>
+                        <a:ea typeface="宋体"/>
+                        <a:cs typeface="Times New Roman"/>
+                      </a:endParaRPr>
                     </a:p>
                   </a:txBody>
                   <a:tcPr marL="68580" marR="68580" marT="0" marB="0">
@@ -20663,6 +20241,12 @@
                         </a:rPr>
                         <a:t> </a:t>
                       </a:r>
+                      <a:endParaRPr lang="en-US" sz="2200" kern="100">
+                        <a:effectLst/>
+                        <a:latin typeface="Calibri"/>
+                        <a:ea typeface="宋体"/>
+                        <a:cs typeface="Times New Roman"/>
+                      </a:endParaRPr>
                     </a:p>
                   </a:txBody>
                   <a:tcPr marL="68580" marR="68580" marT="0" marB="0">
@@ -20726,6 +20310,12 @@
                         </a:rPr>
                         <a:t> </a:t>
                       </a:r>
+                      <a:endParaRPr lang="en-US" sz="2200" kern="100">
+                        <a:effectLst/>
+                        <a:latin typeface="Calibri"/>
+                        <a:ea typeface="宋体"/>
+                        <a:cs typeface="Times New Roman"/>
+                      </a:endParaRPr>
                     </a:p>
                   </a:txBody>
                   <a:tcPr marL="68580" marR="68580" marT="0" marB="0">
@@ -20789,6 +20379,12 @@
                         </a:rPr>
                         <a:t>00</a:t>
                       </a:r>
+                      <a:endParaRPr lang="en-US" sz="2200" kern="100">
+                        <a:effectLst/>
+                        <a:latin typeface="Calibri"/>
+                        <a:ea typeface="宋体"/>
+                        <a:cs typeface="Times New Roman"/>
+                      </a:endParaRPr>
                     </a:p>
                   </a:txBody>
                   <a:tcPr marL="68580" marR="68580" marT="0" marB="0">
@@ -20833,13 +20429,6 @@
               </a:tr>
               <a:tr h="312957">
                 <a:tc vMerge="1">
-                  <a:txBody>
-                    <a:bodyPr/>
-                    <a:lstStyle/>
-                    <a:p>
-                      <a:endParaRPr lang="en-US"/>
-                    </a:p>
-                  </a:txBody>
                   <a:tcPr/>
                 </a:tc>
                 <a:tc>
@@ -20864,6 +20453,12 @@
                         </a:rPr>
                         <a:t>AND</a:t>
                       </a:r>
+                      <a:endParaRPr lang="en-US" sz="2200" kern="100" dirty="0">
+                        <a:effectLst/>
+                        <a:latin typeface="Calibri"/>
+                        <a:ea typeface="宋体"/>
+                        <a:cs typeface="Times New Roman"/>
+                      </a:endParaRPr>
                     </a:p>
                   </a:txBody>
                   <a:tcPr marL="68580" marR="68580" marT="0" marB="0">
@@ -21011,6 +20606,12 @@
                         </a:rPr>
                         <a:t> </a:t>
                       </a:r>
+                      <a:endParaRPr lang="en-US" sz="2200" kern="100">
+                        <a:effectLst/>
+                        <a:latin typeface="Calibri"/>
+                        <a:ea typeface="宋体"/>
+                        <a:cs typeface="Times New Roman"/>
+                      </a:endParaRPr>
                     </a:p>
                   </a:txBody>
                   <a:tcPr marL="68580" marR="68580" marT="0" marB="0">
@@ -21074,6 +20675,12 @@
                         </a:rPr>
                         <a:t> </a:t>
                       </a:r>
+                      <a:endParaRPr lang="en-US" sz="2200" kern="100">
+                        <a:effectLst/>
+                        <a:latin typeface="Calibri"/>
+                        <a:ea typeface="宋体"/>
+                        <a:cs typeface="Times New Roman"/>
+                      </a:endParaRPr>
                     </a:p>
                   </a:txBody>
                   <a:tcPr marL="68580" marR="68580" marT="0" marB="0">
@@ -21137,6 +20744,12 @@
                         </a:rPr>
                         <a:t> </a:t>
                       </a:r>
+                      <a:endParaRPr lang="en-US" sz="2200" kern="100">
+                        <a:effectLst/>
+                        <a:latin typeface="Calibri"/>
+                        <a:ea typeface="宋体"/>
+                        <a:cs typeface="Times New Roman"/>
+                      </a:endParaRPr>
                     </a:p>
                   </a:txBody>
                   <a:tcPr marL="68580" marR="68580" marT="0" marB="0">
@@ -21200,6 +20813,12 @@
                         </a:rPr>
                         <a:t>00</a:t>
                       </a:r>
+                      <a:endParaRPr lang="en-US" sz="2200" kern="100">
+                        <a:effectLst/>
+                        <a:latin typeface="Calibri"/>
+                        <a:ea typeface="宋体"/>
+                        <a:cs typeface="Times New Roman"/>
+                      </a:endParaRPr>
                     </a:p>
                   </a:txBody>
                   <a:tcPr marL="68580" marR="68580" marT="0" marB="0">
@@ -21244,13 +20863,6 @@
               </a:tr>
               <a:tr h="312957">
                 <a:tc vMerge="1">
-                  <a:txBody>
-                    <a:bodyPr/>
-                    <a:lstStyle/>
-                    <a:p>
-                      <a:endParaRPr lang="en-US"/>
-                    </a:p>
-                  </a:txBody>
                   <a:tcPr/>
                 </a:tc>
                 <a:tc>
@@ -21275,6 +20887,12 @@
                         </a:rPr>
                         <a:t>OR</a:t>
                       </a:r>
+                      <a:endParaRPr lang="en-US" sz="2200" kern="100" dirty="0">
+                        <a:effectLst/>
+                        <a:latin typeface="Calibri"/>
+                        <a:ea typeface="宋体"/>
+                        <a:cs typeface="Times New Roman"/>
+                      </a:endParaRPr>
                     </a:p>
                   </a:txBody>
                   <a:tcPr marL="68580" marR="68580" marT="0" marB="0">
@@ -21422,6 +21040,12 @@
                         </a:rPr>
                         <a:t> </a:t>
                       </a:r>
+                      <a:endParaRPr lang="en-US" sz="2200" kern="100" dirty="0">
+                        <a:effectLst/>
+                        <a:latin typeface="Calibri"/>
+                        <a:ea typeface="宋体"/>
+                        <a:cs typeface="Times New Roman"/>
+                      </a:endParaRPr>
                     </a:p>
                   </a:txBody>
                   <a:tcPr marL="68580" marR="68580" marT="0" marB="0">
@@ -21485,6 +21109,12 @@
                         </a:rPr>
                         <a:t> </a:t>
                       </a:r>
+                      <a:endParaRPr lang="en-US" sz="2200" kern="100">
+                        <a:effectLst/>
+                        <a:latin typeface="Calibri"/>
+                        <a:ea typeface="宋体"/>
+                        <a:cs typeface="Times New Roman"/>
+                      </a:endParaRPr>
                     </a:p>
                   </a:txBody>
                   <a:tcPr marL="68580" marR="68580" marT="0" marB="0">
@@ -21548,6 +21178,12 @@
                         </a:rPr>
                         <a:t> </a:t>
                       </a:r>
+                      <a:endParaRPr lang="en-US" sz="2200" kern="100">
+                        <a:effectLst/>
+                        <a:latin typeface="Calibri"/>
+                        <a:ea typeface="宋体"/>
+                        <a:cs typeface="Times New Roman"/>
+                      </a:endParaRPr>
                     </a:p>
                   </a:txBody>
                   <a:tcPr marL="68580" marR="68580" marT="0" marB="0">
@@ -21611,6 +21247,12 @@
                         </a:rPr>
                         <a:t>00</a:t>
                       </a:r>
+                      <a:endParaRPr lang="en-US" sz="2200" kern="100">
+                        <a:effectLst/>
+                        <a:latin typeface="Calibri"/>
+                        <a:ea typeface="宋体"/>
+                        <a:cs typeface="Times New Roman"/>
+                      </a:endParaRPr>
                     </a:p>
                   </a:txBody>
                   <a:tcPr marL="68580" marR="68580" marT="0" marB="0">
@@ -21655,13 +21297,6 @@
               </a:tr>
               <a:tr h="312957">
                 <a:tc vMerge="1">
-                  <a:txBody>
-                    <a:bodyPr/>
-                    <a:lstStyle/>
-                    <a:p>
-                      <a:endParaRPr lang="en-US"/>
-                    </a:p>
-                  </a:txBody>
                   <a:tcPr/>
                 </a:tc>
                 <a:tc>
@@ -21686,6 +21321,12 @@
                         </a:rPr>
                         <a:t>XOR</a:t>
                       </a:r>
+                      <a:endParaRPr lang="en-US" sz="2200" kern="100" dirty="0">
+                        <a:effectLst/>
+                        <a:latin typeface="Calibri"/>
+                        <a:ea typeface="宋体"/>
+                        <a:cs typeface="Times New Roman"/>
+                      </a:endParaRPr>
                     </a:p>
                   </a:txBody>
                   <a:tcPr marL="68580" marR="68580" marT="0" marB="0">
@@ -21833,6 +21474,12 @@
                         </a:rPr>
                         <a:t> </a:t>
                       </a:r>
+                      <a:endParaRPr lang="en-US" sz="2200" kern="100" dirty="0">
+                        <a:effectLst/>
+                        <a:latin typeface="Calibri"/>
+                        <a:ea typeface="宋体"/>
+                        <a:cs typeface="Times New Roman"/>
+                      </a:endParaRPr>
                     </a:p>
                   </a:txBody>
                   <a:tcPr marL="68580" marR="68580" marT="0" marB="0">
@@ -21896,6 +21543,12 @@
                         </a:rPr>
                         <a:t> </a:t>
                       </a:r>
+                      <a:endParaRPr lang="en-US" sz="2200" kern="100">
+                        <a:effectLst/>
+                        <a:latin typeface="Calibri"/>
+                        <a:ea typeface="宋体"/>
+                        <a:cs typeface="Times New Roman"/>
+                      </a:endParaRPr>
                     </a:p>
                   </a:txBody>
                   <a:tcPr marL="68580" marR="68580" marT="0" marB="0">
@@ -21959,6 +21612,12 @@
                         </a:rPr>
                         <a:t> </a:t>
                       </a:r>
+                      <a:endParaRPr lang="en-US" sz="2200" kern="100">
+                        <a:effectLst/>
+                        <a:latin typeface="Calibri"/>
+                        <a:ea typeface="宋体"/>
+                        <a:cs typeface="Times New Roman"/>
+                      </a:endParaRPr>
                     </a:p>
                   </a:txBody>
                   <a:tcPr marL="68580" marR="68580" marT="0" marB="0">
@@ -22022,6 +21681,12 @@
                         </a:rPr>
                         <a:t>00</a:t>
                       </a:r>
+                      <a:endParaRPr lang="en-US" sz="2200" kern="100">
+                        <a:effectLst/>
+                        <a:latin typeface="Calibri"/>
+                        <a:ea typeface="宋体"/>
+                        <a:cs typeface="Times New Roman"/>
+                      </a:endParaRPr>
                     </a:p>
                   </a:txBody>
                   <a:tcPr marL="68580" marR="68580" marT="0" marB="0">
@@ -22066,13 +21731,6 @@
               </a:tr>
               <a:tr h="312957">
                 <a:tc vMerge="1">
-                  <a:txBody>
-                    <a:bodyPr/>
-                    <a:lstStyle/>
-                    <a:p>
-                      <a:endParaRPr lang="en-US"/>
-                    </a:p>
-                  </a:txBody>
                   <a:tcPr/>
                 </a:tc>
                 <a:tc>
@@ -22097,6 +21755,12 @@
                         </a:rPr>
                         <a:t>SLL</a:t>
                       </a:r>
+                      <a:endParaRPr lang="en-US" sz="2200" kern="100" dirty="0">
+                        <a:effectLst/>
+                        <a:latin typeface="Calibri"/>
+                        <a:ea typeface="宋体"/>
+                        <a:cs typeface="Times New Roman"/>
+                      </a:endParaRPr>
                     </a:p>
                   </a:txBody>
                   <a:tcPr marL="68580" marR="68580" marT="0" marB="0">
@@ -22244,6 +21908,12 @@
                         </a:rPr>
                         <a:t> </a:t>
                       </a:r>
+                      <a:endParaRPr lang="en-US" sz="2200" kern="100" dirty="0">
+                        <a:effectLst/>
+                        <a:latin typeface="Calibri"/>
+                        <a:ea typeface="宋体"/>
+                        <a:cs typeface="Times New Roman"/>
+                      </a:endParaRPr>
                     </a:p>
                   </a:txBody>
                   <a:tcPr marL="68580" marR="68580" marT="0" marB="0">
@@ -22307,6 +21977,12 @@
                         </a:rPr>
                         <a:t> </a:t>
                       </a:r>
+                      <a:endParaRPr lang="en-US" sz="2200" kern="100">
+                        <a:effectLst/>
+                        <a:latin typeface="Calibri"/>
+                        <a:ea typeface="宋体"/>
+                        <a:cs typeface="Times New Roman"/>
+                      </a:endParaRPr>
                     </a:p>
                   </a:txBody>
                   <a:tcPr marL="68580" marR="68580" marT="0" marB="0">
@@ -22370,6 +22046,12 @@
                         </a:rPr>
                         <a:t> </a:t>
                       </a:r>
+                      <a:endParaRPr lang="en-US" sz="2200" kern="100">
+                        <a:effectLst/>
+                        <a:latin typeface="Calibri"/>
+                        <a:ea typeface="宋体"/>
+                        <a:cs typeface="Times New Roman"/>
+                      </a:endParaRPr>
                     </a:p>
                   </a:txBody>
                   <a:tcPr marL="68580" marR="68580" marT="0" marB="0">
@@ -22433,6 +22115,12 @@
                         </a:rPr>
                         <a:t>Amt(1-0)</a:t>
                       </a:r>
+                      <a:endParaRPr lang="en-US" sz="2200" kern="100">
+                        <a:effectLst/>
+                        <a:latin typeface="Calibri"/>
+                        <a:ea typeface="宋体"/>
+                        <a:cs typeface="Times New Roman"/>
+                      </a:endParaRPr>
                     </a:p>
                   </a:txBody>
                   <a:tcPr marL="68580" marR="68580" marT="0" marB="0">
@@ -22477,13 +22165,6 @@
               </a:tr>
               <a:tr h="312957">
                 <a:tc vMerge="1">
-                  <a:txBody>
-                    <a:bodyPr/>
-                    <a:lstStyle/>
-                    <a:p>
-                      <a:endParaRPr lang="en-US"/>
-                    </a:p>
-                  </a:txBody>
                   <a:tcPr/>
                 </a:tc>
                 <a:tc>
@@ -22508,6 +22189,12 @@
                         </a:rPr>
                         <a:t>SRL</a:t>
                       </a:r>
+                      <a:endParaRPr lang="en-US" sz="2200" kern="100">
+                        <a:effectLst/>
+                        <a:latin typeface="Calibri"/>
+                        <a:ea typeface="宋体"/>
+                        <a:cs typeface="Times New Roman"/>
+                      </a:endParaRPr>
                     </a:p>
                   </a:txBody>
                   <a:tcPr marL="68580" marR="68580" marT="0" marB="0">
@@ -22655,6 +22342,12 @@
                         </a:rPr>
                         <a:t> </a:t>
                       </a:r>
+                      <a:endParaRPr lang="en-US" sz="2200" kern="100" dirty="0">
+                        <a:effectLst/>
+                        <a:latin typeface="Calibri"/>
+                        <a:ea typeface="宋体"/>
+                        <a:cs typeface="Times New Roman"/>
+                      </a:endParaRPr>
                     </a:p>
                   </a:txBody>
                   <a:tcPr marL="68580" marR="68580" marT="0" marB="0">
@@ -22718,6 +22411,12 @@
                         </a:rPr>
                         <a:t> </a:t>
                       </a:r>
+                      <a:endParaRPr lang="en-US" sz="2200" kern="100" dirty="0">
+                        <a:effectLst/>
+                        <a:latin typeface="Calibri"/>
+                        <a:ea typeface="宋体"/>
+                        <a:cs typeface="Times New Roman"/>
+                      </a:endParaRPr>
                     </a:p>
                   </a:txBody>
                   <a:tcPr marL="68580" marR="68580" marT="0" marB="0">
@@ -22781,6 +22480,12 @@
                         </a:rPr>
                         <a:t> </a:t>
                       </a:r>
+                      <a:endParaRPr lang="en-US" sz="2200" kern="100">
+                        <a:effectLst/>
+                        <a:latin typeface="Calibri"/>
+                        <a:ea typeface="宋体"/>
+                        <a:cs typeface="Times New Roman"/>
+                      </a:endParaRPr>
                     </a:p>
                   </a:txBody>
                   <a:tcPr marL="68580" marR="68580" marT="0" marB="0">
@@ -22844,6 +22549,12 @@
                         </a:rPr>
                         <a:t>Amt(1-0)</a:t>
                       </a:r>
+                      <a:endParaRPr lang="en-US" sz="2200" kern="100">
+                        <a:effectLst/>
+                        <a:latin typeface="Calibri"/>
+                        <a:ea typeface="宋体"/>
+                        <a:cs typeface="Times New Roman"/>
+                      </a:endParaRPr>
                     </a:p>
                   </a:txBody>
                   <a:tcPr marL="68580" marR="68580" marT="0" marB="0">
@@ -22888,13 +22599,6 @@
               </a:tr>
               <a:tr h="312957">
                 <a:tc vMerge="1">
-                  <a:txBody>
-                    <a:bodyPr/>
-                    <a:lstStyle/>
-                    <a:p>
-                      <a:endParaRPr lang="en-US"/>
-                    </a:p>
-                  </a:txBody>
                   <a:tcPr/>
                 </a:tc>
                 <a:tc>
@@ -23359,6 +23063,12 @@
                         </a:rPr>
                         <a:t>I</a:t>
                       </a:r>
+                      <a:endParaRPr lang="en-US" sz="2200" kern="100" dirty="0">
+                        <a:effectLst/>
+                        <a:latin typeface="Calibri"/>
+                        <a:ea typeface="宋体"/>
+                        <a:cs typeface="Times New Roman"/>
+                      </a:endParaRPr>
                     </a:p>
                   </a:txBody>
                   <a:tcPr marL="68580" marR="68580" marT="0" marB="0">
@@ -23422,6 +23132,12 @@
                         </a:rPr>
                         <a:t>ADDi</a:t>
                       </a:r>
+                      <a:endParaRPr lang="en-US" sz="2200" kern="100">
+                        <a:effectLst/>
+                        <a:latin typeface="Calibri"/>
+                        <a:ea typeface="宋体"/>
+                        <a:cs typeface="Times New Roman"/>
+                      </a:endParaRPr>
                     </a:p>
                   </a:txBody>
                   <a:tcPr marL="68580" marR="68580" marT="0" marB="0">
@@ -23581,6 +23297,12 @@
                         </a:rPr>
                         <a:t> </a:t>
                       </a:r>
+                      <a:endParaRPr lang="en-US" sz="2200" kern="100" dirty="0">
+                        <a:effectLst/>
+                        <a:latin typeface="Calibri"/>
+                        <a:ea typeface="宋体"/>
+                        <a:cs typeface="Times New Roman"/>
+                      </a:endParaRPr>
                     </a:p>
                   </a:txBody>
                   <a:tcPr marL="68580" marR="68580" marT="0" marB="0">
@@ -23644,6 +23366,12 @@
                         </a:rPr>
                         <a:t> </a:t>
                       </a:r>
+                      <a:endParaRPr lang="en-US" sz="2200" kern="100" dirty="0">
+                        <a:effectLst/>
+                        <a:latin typeface="Calibri"/>
+                        <a:ea typeface="宋体"/>
+                        <a:cs typeface="Times New Roman"/>
+                      </a:endParaRPr>
                     </a:p>
                   </a:txBody>
                   <a:tcPr marL="68580" marR="68580" marT="0" marB="0">
@@ -23707,6 +23435,12 @@
                         </a:rPr>
                         <a:t>Immediate(4-0)</a:t>
                       </a:r>
+                      <a:endParaRPr lang="en-US" sz="2200" kern="100" dirty="0">
+                        <a:effectLst/>
+                        <a:latin typeface="Calibri"/>
+                        <a:ea typeface="宋体"/>
+                        <a:cs typeface="Times New Roman"/>
+                      </a:endParaRPr>
                     </a:p>
                   </a:txBody>
                   <a:tcPr marL="68580" marR="68580" marT="0" marB="0">
@@ -23749,25 +23483,11 @@
                   </a:tcPr>
                 </a:tc>
                 <a:tc hMerge="1">
-                  <a:txBody>
-                    <a:bodyPr/>
-                    <a:lstStyle/>
-                    <a:p>
-                      <a:endParaRPr lang="en-US"/>
-                    </a:p>
-                  </a:txBody>
                   <a:tcPr/>
                 </a:tc>
               </a:tr>
               <a:tr h="312957">
                 <a:tc vMerge="1">
-                  <a:txBody>
-                    <a:bodyPr/>
-                    <a:lstStyle/>
-                    <a:p>
-                      <a:endParaRPr lang="en-US"/>
-                    </a:p>
-                  </a:txBody>
                   <a:tcPr/>
                 </a:tc>
                 <a:tc>
@@ -23792,6 +23512,12 @@
                         </a:rPr>
                         <a:t>ANDi</a:t>
                       </a:r>
+                      <a:endParaRPr lang="en-US" sz="2200" kern="100">
+                        <a:effectLst/>
+                        <a:latin typeface="Calibri"/>
+                        <a:ea typeface="宋体"/>
+                        <a:cs typeface="Times New Roman"/>
+                      </a:endParaRPr>
                     </a:p>
                   </a:txBody>
                   <a:tcPr marL="68580" marR="68580" marT="0" marB="0">
@@ -23939,6 +23665,12 @@
                         </a:rPr>
                         <a:t> </a:t>
                       </a:r>
+                      <a:endParaRPr lang="en-US" sz="2200" kern="100" dirty="0">
+                        <a:effectLst/>
+                        <a:latin typeface="Calibri"/>
+                        <a:ea typeface="宋体"/>
+                        <a:cs typeface="Times New Roman"/>
+                      </a:endParaRPr>
                     </a:p>
                   </a:txBody>
                   <a:tcPr marL="68580" marR="68580" marT="0" marB="0">
@@ -24002,6 +23734,12 @@
                         </a:rPr>
                         <a:t> </a:t>
                       </a:r>
+                      <a:endParaRPr lang="en-US" sz="2200" kern="100" dirty="0">
+                        <a:effectLst/>
+                        <a:latin typeface="Calibri"/>
+                        <a:ea typeface="宋体"/>
+                        <a:cs typeface="Times New Roman"/>
+                      </a:endParaRPr>
                     </a:p>
                   </a:txBody>
                   <a:tcPr marL="68580" marR="68580" marT="0" marB="0">
@@ -24065,6 +23803,12 @@
                         </a:rPr>
                         <a:t>Immediate(4-0)</a:t>
                       </a:r>
+                      <a:endParaRPr lang="en-US" sz="2200" kern="100" dirty="0">
+                        <a:effectLst/>
+                        <a:latin typeface="Calibri"/>
+                        <a:ea typeface="宋体"/>
+                        <a:cs typeface="Times New Roman"/>
+                      </a:endParaRPr>
                     </a:p>
                   </a:txBody>
                   <a:tcPr marL="68580" marR="68580" marT="0" marB="0">
@@ -24107,25 +23851,11 @@
                   </a:tcPr>
                 </a:tc>
                 <a:tc hMerge="1">
-                  <a:txBody>
-                    <a:bodyPr/>
-                    <a:lstStyle/>
-                    <a:p>
-                      <a:endParaRPr lang="en-US"/>
-                    </a:p>
-                  </a:txBody>
                   <a:tcPr/>
                 </a:tc>
               </a:tr>
               <a:tr h="312957">
                 <a:tc vMerge="1">
-                  <a:txBody>
-                    <a:bodyPr/>
-                    <a:lstStyle/>
-                    <a:p>
-                      <a:endParaRPr lang="en-US"/>
-                    </a:p>
-                  </a:txBody>
                   <a:tcPr/>
                 </a:tc>
                 <a:tc>
@@ -24150,6 +23880,12 @@
                         </a:rPr>
                         <a:t>ORi</a:t>
                       </a:r>
+                      <a:endParaRPr lang="en-US" sz="2200" kern="100">
+                        <a:effectLst/>
+                        <a:latin typeface="Calibri"/>
+                        <a:ea typeface="宋体"/>
+                        <a:cs typeface="Times New Roman"/>
+                      </a:endParaRPr>
                     </a:p>
                   </a:txBody>
                   <a:tcPr marL="68580" marR="68580" marT="0" marB="0">
@@ -24297,6 +24033,12 @@
                         </a:rPr>
                         <a:t> </a:t>
                       </a:r>
+                      <a:endParaRPr lang="en-US" sz="2200" kern="100">
+                        <a:effectLst/>
+                        <a:latin typeface="Calibri"/>
+                        <a:ea typeface="宋体"/>
+                        <a:cs typeface="Times New Roman"/>
+                      </a:endParaRPr>
                     </a:p>
                   </a:txBody>
                   <a:tcPr marL="68580" marR="68580" marT="0" marB="0">
@@ -24360,6 +24102,12 @@
                         </a:rPr>
                         <a:t> </a:t>
                       </a:r>
+                      <a:endParaRPr lang="en-US" sz="2200" kern="100" dirty="0">
+                        <a:effectLst/>
+                        <a:latin typeface="Calibri"/>
+                        <a:ea typeface="宋体"/>
+                        <a:cs typeface="Times New Roman"/>
+                      </a:endParaRPr>
                     </a:p>
                   </a:txBody>
                   <a:tcPr marL="68580" marR="68580" marT="0" marB="0">
@@ -24423,6 +24171,12 @@
                         </a:rPr>
                         <a:t>Immediate(4-0)</a:t>
                       </a:r>
+                      <a:endParaRPr lang="en-US" sz="2200" kern="100" dirty="0">
+                        <a:effectLst/>
+                        <a:latin typeface="Calibri"/>
+                        <a:ea typeface="宋体"/>
+                        <a:cs typeface="Times New Roman"/>
+                      </a:endParaRPr>
                     </a:p>
                   </a:txBody>
                   <a:tcPr marL="68580" marR="68580" marT="0" marB="0">
@@ -24465,25 +24219,11 @@
                   </a:tcPr>
                 </a:tc>
                 <a:tc hMerge="1">
-                  <a:txBody>
-                    <a:bodyPr/>
-                    <a:lstStyle/>
-                    <a:p>
-                      <a:endParaRPr lang="en-US"/>
-                    </a:p>
-                  </a:txBody>
                   <a:tcPr/>
                 </a:tc>
               </a:tr>
               <a:tr h="312957">
                 <a:tc vMerge="1">
-                  <a:txBody>
-                    <a:bodyPr/>
-                    <a:lstStyle/>
-                    <a:p>
-                      <a:endParaRPr lang="en-US"/>
-                    </a:p>
-                  </a:txBody>
                   <a:tcPr/>
                 </a:tc>
                 <a:tc>
@@ -24508,6 +24248,12 @@
                         </a:rPr>
                         <a:t>LW</a:t>
                       </a:r>
+                      <a:endParaRPr lang="en-US" sz="2200" kern="100" dirty="0">
+                        <a:effectLst/>
+                        <a:latin typeface="Calibri"/>
+                        <a:ea typeface="宋体"/>
+                        <a:cs typeface="Times New Roman"/>
+                      </a:endParaRPr>
                     </a:p>
                   </a:txBody>
                   <a:tcPr marL="68580" marR="68580" marT="0" marB="0">
@@ -24667,6 +24413,12 @@
                         </a:rPr>
                         <a:t> </a:t>
                       </a:r>
+                      <a:endParaRPr lang="en-US" sz="2200" kern="100">
+                        <a:effectLst/>
+                        <a:latin typeface="Calibri"/>
+                        <a:ea typeface="宋体"/>
+                        <a:cs typeface="Times New Roman"/>
+                      </a:endParaRPr>
                     </a:p>
                   </a:txBody>
                   <a:tcPr marL="68580" marR="68580" marT="0" marB="0">
@@ -24730,6 +24482,12 @@
                         </a:rPr>
                         <a:t> </a:t>
                       </a:r>
+                      <a:endParaRPr lang="en-US" sz="2200" kern="100">
+                        <a:effectLst/>
+                        <a:latin typeface="Calibri"/>
+                        <a:ea typeface="宋体"/>
+                        <a:cs typeface="Times New Roman"/>
+                      </a:endParaRPr>
                     </a:p>
                   </a:txBody>
                   <a:tcPr marL="68580" marR="68580" marT="0" marB="0">
@@ -24793,6 +24551,12 @@
                         </a:rPr>
                         <a:t>Immediate(4-0)</a:t>
                       </a:r>
+                      <a:endParaRPr lang="en-US" sz="2200" kern="100" dirty="0">
+                        <a:effectLst/>
+                        <a:latin typeface="Calibri"/>
+                        <a:ea typeface="宋体"/>
+                        <a:cs typeface="Times New Roman"/>
+                      </a:endParaRPr>
                     </a:p>
                   </a:txBody>
                   <a:tcPr marL="68580" marR="68580" marT="0" marB="0">
@@ -24835,25 +24599,11 @@
                   </a:tcPr>
                 </a:tc>
                 <a:tc hMerge="1">
-                  <a:txBody>
-                    <a:bodyPr/>
-                    <a:lstStyle/>
-                    <a:p>
-                      <a:endParaRPr lang="en-US"/>
-                    </a:p>
-                  </a:txBody>
                   <a:tcPr/>
                 </a:tc>
               </a:tr>
               <a:tr h="312957">
                 <a:tc vMerge="1">
-                  <a:txBody>
-                    <a:bodyPr/>
-                    <a:lstStyle/>
-                    <a:p>
-                      <a:endParaRPr lang="en-US"/>
-                    </a:p>
-                  </a:txBody>
                   <a:tcPr/>
                 </a:tc>
                 <a:tc>
@@ -24878,6 +24628,12 @@
                         </a:rPr>
                         <a:t>SW</a:t>
                       </a:r>
+                      <a:endParaRPr lang="en-US" sz="2200" kern="100">
+                        <a:effectLst/>
+                        <a:latin typeface="Calibri"/>
+                        <a:ea typeface="宋体"/>
+                        <a:cs typeface="Times New Roman"/>
+                      </a:endParaRPr>
                     </a:p>
                   </a:txBody>
                   <a:tcPr marL="68580" marR="68580" marT="0" marB="0">
@@ -25037,6 +24793,12 @@
                         </a:rPr>
                         <a:t> </a:t>
                       </a:r>
+                      <a:endParaRPr lang="en-US" sz="2200" kern="100">
+                        <a:effectLst/>
+                        <a:latin typeface="Calibri"/>
+                        <a:ea typeface="宋体"/>
+                        <a:cs typeface="Times New Roman"/>
+                      </a:endParaRPr>
                     </a:p>
                   </a:txBody>
                   <a:tcPr marL="68580" marR="68580" marT="0" marB="0">
@@ -25100,6 +24862,12 @@
                         </a:rPr>
                         <a:t> </a:t>
                       </a:r>
+                      <a:endParaRPr lang="en-US" sz="2200" kern="100">
+                        <a:effectLst/>
+                        <a:latin typeface="Calibri"/>
+                        <a:ea typeface="宋体"/>
+                        <a:cs typeface="Times New Roman"/>
+                      </a:endParaRPr>
                     </a:p>
                   </a:txBody>
                   <a:tcPr marL="68580" marR="68580" marT="0" marB="0">
@@ -25163,6 +24931,12 @@
                         </a:rPr>
                         <a:t>Immediate(4-0)</a:t>
                       </a:r>
+                      <a:endParaRPr lang="en-US" sz="2200" kern="100" dirty="0">
+                        <a:effectLst/>
+                        <a:latin typeface="Calibri"/>
+                        <a:ea typeface="宋体"/>
+                        <a:cs typeface="Times New Roman"/>
+                      </a:endParaRPr>
                     </a:p>
                   </a:txBody>
                   <a:tcPr marL="68580" marR="68580" marT="0" marB="0">
@@ -25205,25 +24979,11 @@
                   </a:tcPr>
                 </a:tc>
                 <a:tc hMerge="1">
-                  <a:txBody>
-                    <a:bodyPr/>
-                    <a:lstStyle/>
-                    <a:p>
-                      <a:endParaRPr lang="en-US"/>
-                    </a:p>
-                  </a:txBody>
                   <a:tcPr/>
                 </a:tc>
               </a:tr>
               <a:tr h="312957">
                 <a:tc vMerge="1">
-                  <a:txBody>
-                    <a:bodyPr/>
-                    <a:lstStyle/>
-                    <a:p>
-                      <a:endParaRPr lang="en-US"/>
-                    </a:p>
-                  </a:txBody>
                   <a:tcPr/>
                 </a:tc>
                 <a:tc>
@@ -25248,6 +25008,12 @@
                         </a:rPr>
                         <a:t>BEG</a:t>
                       </a:r>
+                      <a:endParaRPr lang="en-US" sz="2200" kern="100">
+                        <a:effectLst/>
+                        <a:latin typeface="Calibri"/>
+                        <a:ea typeface="宋体"/>
+                        <a:cs typeface="Times New Roman"/>
+                      </a:endParaRPr>
                     </a:p>
                   </a:txBody>
                   <a:tcPr marL="68580" marR="68580" marT="0" marB="0">
@@ -25395,6 +25161,12 @@
                         </a:rPr>
                         <a:t> </a:t>
                       </a:r>
+                      <a:endParaRPr lang="en-US" sz="2200" kern="100">
+                        <a:effectLst/>
+                        <a:latin typeface="Calibri"/>
+                        <a:ea typeface="宋体"/>
+                        <a:cs typeface="Times New Roman"/>
+                      </a:endParaRPr>
                     </a:p>
                   </a:txBody>
                   <a:tcPr marL="68580" marR="68580" marT="0" marB="0">
@@ -25458,6 +25230,12 @@
                         </a:rPr>
                         <a:t> </a:t>
                       </a:r>
+                      <a:endParaRPr lang="en-US" sz="2200" kern="100">
+                        <a:effectLst/>
+                        <a:latin typeface="Calibri"/>
+                        <a:ea typeface="宋体"/>
+                        <a:cs typeface="Times New Roman"/>
+                      </a:endParaRPr>
                     </a:p>
                   </a:txBody>
                   <a:tcPr marL="68580" marR="68580" marT="0" marB="0">
@@ -25521,6 +25299,12 @@
                         </a:rPr>
                         <a:t>Immediate(4-0)</a:t>
                       </a:r>
+                      <a:endParaRPr lang="en-US" sz="2200" kern="100" dirty="0">
+                        <a:effectLst/>
+                        <a:latin typeface="Calibri"/>
+                        <a:ea typeface="宋体"/>
+                        <a:cs typeface="Times New Roman"/>
+                      </a:endParaRPr>
                     </a:p>
                   </a:txBody>
                   <a:tcPr marL="68580" marR="68580" marT="0" marB="0">
@@ -25563,13 +25347,6 @@
                   </a:tcPr>
                 </a:tc>
                 <a:tc hMerge="1">
-                  <a:txBody>
-                    <a:bodyPr/>
-                    <a:lstStyle/>
-                    <a:p>
-                      <a:endParaRPr lang="en-US"/>
-                    </a:p>
-                  </a:txBody>
                   <a:tcPr/>
                 </a:tc>
               </a:tr>
@@ -25596,6 +25373,12 @@
                         </a:rPr>
                         <a:t>J</a:t>
                       </a:r>
+                      <a:endParaRPr lang="en-US" sz="2200" kern="100" dirty="0">
+                        <a:effectLst/>
+                        <a:latin typeface="Calibri"/>
+                        <a:ea typeface="宋体"/>
+                        <a:cs typeface="Times New Roman"/>
+                      </a:endParaRPr>
                     </a:p>
                   </a:txBody>
                   <a:tcPr marL="68580" marR="68580" marT="0" marB="0">
@@ -25659,6 +25442,12 @@
                         </a:rPr>
                         <a:t>J</a:t>
                       </a:r>
+                      <a:endParaRPr lang="en-US" sz="2200" kern="100">
+                        <a:effectLst/>
+                        <a:latin typeface="Calibri"/>
+                        <a:ea typeface="宋体"/>
+                        <a:cs typeface="Times New Roman"/>
+                      </a:endParaRPr>
                     </a:p>
                   </a:txBody>
                   <a:tcPr marL="68580" marR="68580" marT="0" marB="0">
@@ -25794,6 +25583,12 @@
                         </a:rPr>
                         <a:t>Address (10-0)</a:t>
                       </a:r>
+                      <a:endParaRPr lang="en-US" sz="2200" kern="100" dirty="0">
+                        <a:effectLst/>
+                        <a:latin typeface="Calibri"/>
+                        <a:ea typeface="宋体"/>
+                        <a:cs typeface="Times New Roman"/>
+                      </a:endParaRPr>
                     </a:p>
                   </a:txBody>
                   <a:tcPr marL="68580" marR="68580" marT="0" marB="0">
@@ -25836,33 +25631,12 @@
                   </a:tcPr>
                 </a:tc>
                 <a:tc hMerge="1">
-                  <a:txBody>
-                    <a:bodyPr/>
-                    <a:lstStyle/>
-                    <a:p>
-                      <a:endParaRPr lang="en-US"/>
-                    </a:p>
-                  </a:txBody>
                   <a:tcPr/>
                 </a:tc>
                 <a:tc hMerge="1">
-                  <a:txBody>
-                    <a:bodyPr/>
-                    <a:lstStyle/>
-                    <a:p>
-                      <a:endParaRPr lang="en-US"/>
-                    </a:p>
-                  </a:txBody>
                   <a:tcPr/>
                 </a:tc>
                 <a:tc hMerge="1">
-                  <a:txBody>
-                    <a:bodyPr/>
-                    <a:lstStyle/>
-                    <a:p>
-                      <a:endParaRPr lang="en-US"/>
-                    </a:p>
-                  </a:txBody>
                   <a:tcPr/>
                 </a:tc>
               </a:tr>
@@ -26141,33 +25915,12 @@
                   </a:tcPr>
                 </a:tc>
                 <a:tc hMerge="1">
-                  <a:txBody>
-                    <a:bodyPr/>
-                    <a:lstStyle/>
-                    <a:p>
-                      <a:endParaRPr lang="zh-CN" altLang="en-US"/>
-                    </a:p>
-                  </a:txBody>
                   <a:tcPr/>
                 </a:tc>
                 <a:tc hMerge="1">
-                  <a:txBody>
-                    <a:bodyPr/>
-                    <a:lstStyle/>
-                    <a:p>
-                      <a:endParaRPr lang="zh-CN" altLang="en-US"/>
-                    </a:p>
-                  </a:txBody>
                   <a:tcPr/>
                 </a:tc>
                 <a:tc hMerge="1">
-                  <a:txBody>
-                    <a:bodyPr/>
-                    <a:lstStyle/>
-                    <a:p>
-                      <a:endParaRPr lang="zh-CN" altLang="en-US"/>
-                    </a:p>
-                  </a:txBody>
                   <a:tcPr/>
                 </a:tc>
               </a:tr>
@@ -26176,11 +25929,6 @@
         </a:graphic>
       </p:graphicFrame>
     </p:spTree>
-    <p:extLst>
-      <p:ext uri="{BB962C8B-B14F-4D97-AF65-F5344CB8AC3E}">
-        <p14:creationId xmlns:p14="http://schemas.microsoft.com/office/powerpoint/2010/main" val="2139663982"/>
-      </p:ext>
-    </p:extLst>
   </p:cSld>
   <p:clrMapOvr>
     <a:masterClrMapping/>
@@ -26265,7 +26013,7 @@
           <a:lstStyle/>
           <a:p>
             <a:pPr marL="285750" indent="-285750">
-              <a:buFont typeface="Wingdings" pitchFamily="2" charset="2"/>
+              <a:buFont typeface="Wingdings" panose="05000000000000000000" pitchFamily="2" charset="2"/>
               <a:buChar char="v"/>
             </a:pPr>
             <a:r>
@@ -26346,8 +26094,6 @@
           <a:p>
             <a:fld id="{B6F15528-21DE-4FAA-801E-634DDDAF4B2B}" type="slidenum">
               <a:rPr lang="en-US" smtClean="0"/>
-              <a:pPr/>
-              <a:t>5</a:t>
             </a:fld>
             <a:endParaRPr lang="en-US" dirty="0"/>
           </a:p>
@@ -26362,7 +26108,7 @@
           <p:nvPr/>
         </p:nvPicPr>
         <p:blipFill>
-          <a:blip r:embed="rId3"/>
+          <a:blip r:embed="rId1"/>
           <a:srcRect/>
           <a:stretch>
             <a:fillRect/>
@@ -31666,11 +31412,6 @@
         </p:txBody>
       </p:sp>
     </p:spTree>
-    <p:extLst>
-      <p:ext uri="{BB962C8B-B14F-4D97-AF65-F5344CB8AC3E}">
-        <p14:creationId xmlns:p14="http://schemas.microsoft.com/office/powerpoint/2010/main" val="2139663982"/>
-      </p:ext>
-    </p:extLst>
   </p:cSld>
   <p:clrMapOvr>
     <a:masterClrMapping/>
@@ -31755,7 +31496,7 @@
           <a:lstStyle/>
           <a:p>
             <a:pPr marL="285750" indent="-285750">
-              <a:buFont typeface="Wingdings" pitchFamily="2" charset="2"/>
+              <a:buFont typeface="Wingdings" panose="05000000000000000000" pitchFamily="2" charset="2"/>
               <a:buChar char="v"/>
             </a:pPr>
             <a:r>
@@ -31836,8 +31577,6 @@
           <a:p>
             <a:fld id="{B6F15528-21DE-4FAA-801E-634DDDAF4B2B}" type="slidenum">
               <a:rPr lang="en-US" smtClean="0"/>
-              <a:pPr/>
-              <a:t>6</a:t>
             </a:fld>
             <a:endParaRPr lang="en-US" dirty="0"/>
           </a:p>
@@ -31852,7 +31591,7 @@
           <p:nvPr/>
         </p:nvPicPr>
         <p:blipFill>
-          <a:blip r:embed="rId3"/>
+          <a:blip r:embed="rId1"/>
           <a:srcRect/>
           <a:stretch>
             <a:fillRect/>
@@ -31999,13 +31738,7 @@
           <p:cNvGraphicFramePr>
             <a:graphicFrameLocks noGrp="1"/>
           </p:cNvGraphicFramePr>
-          <p:nvPr>
-            <p:extLst>
-              <p:ext uri="{D42A27DB-BD31-4B8C-83A1-F6EECF244321}">
-                <p14:modId xmlns:p14="http://schemas.microsoft.com/office/powerpoint/2010/main" val="2366463237"/>
-              </p:ext>
-            </p:extLst>
-          </p:nvPr>
+          <p:nvPr/>
         </p:nvGraphicFramePr>
         <p:xfrm>
           <a:off x="3286116" y="2071678"/>
@@ -32442,11 +32175,6 @@
         </a:graphic>
       </p:graphicFrame>
     </p:spTree>
-    <p:extLst>
-      <p:ext uri="{BB962C8B-B14F-4D97-AF65-F5344CB8AC3E}">
-        <p14:creationId xmlns:p14="http://schemas.microsoft.com/office/powerpoint/2010/main" val="2139663982"/>
-      </p:ext>
-    </p:extLst>
   </p:cSld>
   <p:clrMapOvr>
     <a:masterClrMapping/>
@@ -32538,8 +32266,6 @@
           <a:p>
             <a:fld id="{B6F15528-21DE-4FAA-801E-634DDDAF4B2B}" type="slidenum">
               <a:rPr lang="en-US" smtClean="0"/>
-              <a:pPr/>
-              <a:t>7</a:t>
             </a:fld>
             <a:endParaRPr lang="en-US" dirty="0"/>
           </a:p>
@@ -32598,7 +32324,7 @@
           <a:lstStyle/>
           <a:p>
             <a:pPr marL="285750" indent="-285750">
-              <a:buFont typeface="Wingdings" pitchFamily="2" charset="2"/>
+              <a:buFont typeface="Wingdings" panose="05000000000000000000" pitchFamily="2" charset="2"/>
               <a:buChar char="v"/>
             </a:pPr>
             <a:r>
@@ -32632,7 +32358,7 @@
           <p:nvPr/>
         </p:nvPicPr>
         <p:blipFill>
-          <a:blip r:embed="rId3"/>
+          <a:blip r:embed="rId1"/>
           <a:srcRect l="11474" t="21588" r="13690" b="8818"/>
           <a:stretch>
             <a:fillRect/>
@@ -32649,11 +32375,6 @@
         </p:spPr>
       </p:pic>
     </p:spTree>
-    <p:extLst>
-      <p:ext uri="{BB962C8B-B14F-4D97-AF65-F5344CB8AC3E}">
-        <p14:creationId xmlns:p14="http://schemas.microsoft.com/office/powerpoint/2010/main" val="4263946138"/>
-      </p:ext>
-    </p:extLst>
   </p:cSld>
   <p:clrMapOvr>
     <a:masterClrMapping/>
@@ -32702,8 +32423,6 @@
           <a:p>
             <a:fld id="{B6F15528-21DE-4FAA-801E-634DDDAF4B2B}" type="slidenum">
               <a:rPr lang="en-US" smtClean="0"/>
-              <a:pPr/>
-              <a:t>8</a:t>
             </a:fld>
             <a:endParaRPr lang="en-US"/>
           </a:p>
@@ -32762,7 +32481,7 @@
           <a:lstStyle/>
           <a:p>
             <a:pPr marL="285750" indent="-285750">
-              <a:buFont typeface="Wingdings" pitchFamily="2" charset="2"/>
+              <a:buFont typeface="Wingdings" panose="05000000000000000000" pitchFamily="2" charset="2"/>
               <a:buChar char="v"/>
             </a:pPr>
             <a:r>
@@ -32833,7 +32552,7 @@
           <p:nvPr/>
         </p:nvPicPr>
         <p:blipFill rotWithShape="1">
-          <a:blip r:embed="rId3">
+          <a:blip r:embed="rId1">
             <a:extLst>
               <a:ext uri="{28A0092B-C50C-407E-A947-70E740481C1C}">
                 <a14:useLocalDpi xmlns:a14="http://schemas.microsoft.com/office/drawing/2010/main" val="0"/>
@@ -32841,7 +32560,9 @@
             </a:extLst>
           </a:blip>
           <a:srcRect l="3175" t="10722" r="14921" b="6423"/>
-          <a:stretch/>
+          <a:stretch>
+            <a:fillRect/>
+          </a:stretch>
         </p:blipFill>
         <p:spPr>
           <a:xfrm>
@@ -32854,11 +32575,6 @@
         </p:spPr>
       </p:pic>
     </p:spTree>
-    <p:extLst>
-      <p:ext uri="{BB962C8B-B14F-4D97-AF65-F5344CB8AC3E}">
-        <p14:creationId xmlns:p14="http://schemas.microsoft.com/office/powerpoint/2010/main" val="1273189082"/>
-      </p:ext>
-    </p:extLst>
   </p:cSld>
   <p:clrMapOvr>
     <a:masterClrMapping/>
@@ -32945,8 +32661,6 @@
           <a:p>
             <a:fld id="{B6F15528-21DE-4FAA-801E-634DDDAF4B2B}" type="slidenum">
               <a:rPr lang="en-US" smtClean="0"/>
-              <a:pPr/>
-              <a:t>9</a:t>
             </a:fld>
             <a:endParaRPr lang="en-US"/>
           </a:p>
@@ -33005,7 +32719,7 @@
           <a:lstStyle/>
           <a:p>
             <a:pPr marL="285750" indent="-285750">
-              <a:buFont typeface="Wingdings" pitchFamily="2" charset="2"/>
+              <a:buFont typeface="Wingdings" panose="05000000000000000000" pitchFamily="2" charset="2"/>
               <a:buChar char="v"/>
             </a:pPr>
             <a:r>
@@ -33039,7 +32753,7 @@
           <p:nvPr/>
         </p:nvPicPr>
         <p:blipFill>
-          <a:blip r:embed="rId3" cstate="print"/>
+          <a:blip r:embed="rId1" cstate="print"/>
           <a:stretch>
             <a:fillRect/>
           </a:stretch>
@@ -33088,11 +32802,6 @@
         </p:spPr>
       </p:pic>
     </p:spTree>
-    <p:extLst>
-      <p:ext uri="{BB962C8B-B14F-4D97-AF65-F5344CB8AC3E}">
-        <p14:creationId xmlns:p14="http://schemas.microsoft.com/office/powerpoint/2010/main" val="1500036595"/>
-      </p:ext>
-    </p:extLst>
   </p:cSld>
   <p:clrMapOvr>
     <a:masterClrMapping/>
@@ -33385,8 +33094,11 @@
       </a:bgFillStyleLst>
     </a:fmtScheme>
   </a:themeElements>
-  <a:objectDefaults/>
-  <a:extraClrSchemeLst/>
+  <a:extLst>
+    <a:ext uri="{05A4C25C-085E-4340-85A3-A5531E510DB2}">
+      <thm15:themeFamily xmlns:thm15="http://schemas.microsoft.com/office/thememl/2012/main" name="Office Theme" id="{62F939B6-93AF-4DB8-9C6B-D6C7DFDC589F}" vid="{4A3C46E8-61CC-4603-A589-7422A47A8E4A}"/>
+    </a:ext>
+  </a:extLst>
 </a:theme>
 </file>
 
@@ -33670,7 +33382,10 @@
       </a:bgFillStyleLst>
     </a:fmtScheme>
   </a:themeElements>
-  <a:objectDefaults/>
-  <a:extraClrSchemeLst/>
+  <a:extLst>
+    <a:ext uri="{05A4C25C-085E-4340-85A3-A5531E510DB2}">
+      <thm15:themeFamily xmlns:thm15="http://schemas.microsoft.com/office/thememl/2012/main" name="Office Theme" id="{62F939B6-93AF-4DB8-9C6B-D6C7DFDC589F}" vid="{4A3C46E8-61CC-4603-A589-7422A47A8E4A}"/>
+    </a:ext>
+  </a:extLst>
 </a:theme>
 </file>